--- a/reference/Raspiセットアップガイド.pptx
+++ b/reference/Raspiセットアップガイド.pptx
@@ -28,6 +28,8 @@
     <p:sldId id="297" r:id="rId22"/>
     <p:sldId id="322" r:id="rId23"/>
     <p:sldId id="318" r:id="rId24"/>
+    <p:sldId id="324" r:id="rId32"/>
+    <p:sldId id="325" r:id="rId33"/>
   </p:sldIdLst>
   <p:sldSz cx="9144000" cy="5143500" type="screen16x9"/>
   <p:notesSz cx="5143500" cy="9144000"/>
@@ -4881,7 +4883,7 @@
                 <a:ea typeface="Arial" pitchFamily="34" charset="-122"/>
                 <a:cs typeface="Arial"/>
               </a:rPr>
-              <a:t>1 / 20</a:t>
+              <a:t>1 / 22</a:t>
             </a:r>
             <a:endParaRPr lang="en-US" sz="750">
               <a:solidFill>
@@ -5350,7 +5352,7 @@
                 <a:ea typeface="Arial" pitchFamily="34" charset="-122"/>
                 <a:cs typeface="Arial"/>
               </a:rPr>
-              <a:t>10 / 20</a:t>
+              <a:t>10 / 22</a:t>
             </a:r>
             <a:endParaRPr lang="en-US" sz="750">
               <a:solidFill>
@@ -5659,7 +5661,7 @@
                 <a:latin typeface="Arial"/>
                 <a:cs typeface="Arial"/>
               </a:rPr>
-              <a:t>SSH (Secure Shell) </a:t>
+              <a:t xml:space="preserve">SSH (Secure Shell) </a:t>
             </a:r>
             <a:r>
               <a:rPr lang="ja-JP" altLang="en-US" sz="1000" dirty="0">
@@ -6091,7 +6093,7 @@
                 <a:ea typeface="Arial" pitchFamily="34" charset="-122"/>
                 <a:cs typeface="Arial"/>
               </a:rPr>
-              <a:t>11 / 20</a:t>
+              <a:t>11 / 22</a:t>
             </a:r>
             <a:endParaRPr lang="en-US" sz="750">
               <a:solidFill>
@@ -6198,7 +6200,7 @@
       </p:sp>
       <p:pic>
         <p:nvPicPr>
-          <p:cNvPr id="27" name="Picture 21" descr="グラフィカル ユーザー インターフェイス, テキスト, アプリケーション&#10;&#10;AI 生成コンテンツは間違っている可能性があります。">
+          <p:cNvPr id="27" name="Picture 21" descr="グラフィカル ユーザー インターフェイス, テキスト, アプリケーション  AI 生成コンテンツは間違っている可能性があります。">
             <a:extLst>
               <a:ext uri="{FF2B5EF4-FFF2-40B4-BE49-F238E27FC236}">
                 <a16:creationId xmlns:a16="http://schemas.microsoft.com/office/drawing/2014/main" id="{30DE0964-8FEB-C598-6443-41540C3548E4}"/>
@@ -6780,7 +6782,7 @@
                 <a:ea typeface="游ゴシック"/>
                 <a:cs typeface="Arial"/>
               </a:rPr>
-              <a:t>消去の許可を求めてくるので、「I UNDERSTAND, </a:t>
+              <a:t xml:space="preserve">消去の許可を求めてくるので、「I UNDERSTAND, </a:t>
             </a:r>
             <a:r>
               <a:rPr lang="ja-JP" altLang="en-US" sz="1050" b="1">
@@ -6851,7 +6853,7 @@
                 <a:ea typeface="Arial" pitchFamily="34" charset="-122"/>
                 <a:cs typeface="Arial"/>
               </a:rPr>
-              <a:t>12 / 20</a:t>
+              <a:t>12 / 22</a:t>
             </a:r>
             <a:endParaRPr lang="en-US" sz="750">
               <a:solidFill>
@@ -6895,7 +6897,7 @@
       </p:pic>
       <p:pic>
         <p:nvPicPr>
-          <p:cNvPr id="24" name="Picture 21" descr="グラフィカル ユーザー インターフェイス, テキスト, アプリケーション, メール&#10;&#10;AI 生成コンテンツは間違っている可能性があります。">
+          <p:cNvPr id="24" name="Picture 21" descr="グラフィカル ユーザー インターフェイス, テキスト, アプリケーション, メール  AI 生成コンテンツは間違っている可能性があります。">
             <a:extLst>
               <a:ext uri="{FF2B5EF4-FFF2-40B4-BE49-F238E27FC236}">
                 <a16:creationId xmlns:a16="http://schemas.microsoft.com/office/drawing/2014/main" id="{EBEC6B50-A353-DA77-77B4-E0BAC9DCA5A3}"/>
@@ -7892,7 +7894,7 @@
                 <a:ea typeface="Arial" pitchFamily="34" charset="-122"/>
                 <a:cs typeface="Arial"/>
               </a:rPr>
-              <a:t>13 / 20</a:t>
+              <a:t>13 / 22</a:t>
             </a:r>
             <a:endParaRPr lang="en-US" sz="750">
               <a:solidFill>
@@ -7906,7 +7908,7 @@
       </p:sp>
       <p:pic>
         <p:nvPicPr>
-          <p:cNvPr id="23" name="図 22" descr="グラフィカル ユーザー インターフェイス, テキスト, アプリケーション&#10;&#10;AI 生成コンテンツは間違っている可能性があります。">
+          <p:cNvPr id="23" name="図 22" descr="グラフィカル ユーザー インターフェイス, テキスト, アプリケーション  AI 生成コンテンツは間違っている可能性があります。">
             <a:extLst>
               <a:ext uri="{FF2B5EF4-FFF2-40B4-BE49-F238E27FC236}">
                 <a16:creationId xmlns:a16="http://schemas.microsoft.com/office/drawing/2014/main" id="{0A7FAD56-A7AC-4108-9E57-CF57B911F08B}"/>
@@ -8593,7 +8595,7 @@
                 <a:ea typeface="Arial" pitchFamily="34" charset="-122"/>
                 <a:cs typeface="Arial"/>
               </a:rPr>
-              <a:t>14 / 20</a:t>
+              <a:t>14 / 22</a:t>
             </a:r>
             <a:endParaRPr lang="en-US" sz="750">
               <a:solidFill>
@@ -8607,7 +8609,7 @@
       </p:sp>
       <p:pic>
         <p:nvPicPr>
-          <p:cNvPr id="24" name="図 23" descr="ダイアグラム&#10;&#10;AI 生成コンテンツは誤りを含む可能性があります。">
+          <p:cNvPr id="24" name="図 23" descr="ダイアグラム  AI 生成コンテンツは誤りを含む可能性があります。">
             <a:extLst>
               <a:ext uri="{FF2B5EF4-FFF2-40B4-BE49-F238E27FC236}">
                 <a16:creationId xmlns:a16="http://schemas.microsoft.com/office/drawing/2014/main" id="{D8E126D3-AA77-D814-BCA2-95E398B6358D}"/>
@@ -9150,7 +9152,7 @@
                 <a:ea typeface="Arial" pitchFamily="34" charset="-122"/>
                 <a:cs typeface="Arial"/>
               </a:rPr>
-              <a:t>15 / 20</a:t>
+              <a:t>15 / 22</a:t>
             </a:r>
             <a:endParaRPr lang="en-US" sz="750">
               <a:solidFill>
@@ -9505,7 +9507,7 @@
                 <a:latin typeface="Arial"/>
                 <a:cs typeface="Arial"/>
               </a:rPr>
-              <a:t>」
+              <a:t xml:space="preserve">」
 → </a:t>
             </a:r>
             <a:r>
@@ -9516,7 +9518,7 @@
                 <a:latin typeface="Arial"/>
                 <a:cs typeface="Arial"/>
               </a:rPr>
-              <a:t>yes </a:t>
+              <a:t xml:space="preserve">yes </a:t>
             </a:r>
             <a:r>
               <a:rPr lang="ja-JP" altLang="en-US" sz="825">
@@ -9903,7 +9905,7 @@
                 <a:ea typeface="Arial" pitchFamily="34" charset="-122"/>
                 <a:cs typeface="Arial"/>
               </a:rPr>
-              <a:t>16 / 20</a:t>
+              <a:t>16 / 22</a:t>
             </a:r>
             <a:endParaRPr lang="en-US" sz="750">
               <a:solidFill>
@@ -10282,7 +10284,7 @@
                 <a:latin typeface="Consolas"/>
                 <a:cs typeface="Consolas"/>
               </a:rPr>
-              <a:t>  ipv4.method manual \</a:t>
+              <a:t xml:space="preserve">  ipv4.method manual \</a:t>
             </a:r>
           </a:p>
           <a:p>
@@ -10297,7 +10299,7 @@
                 <a:latin typeface="Consolas"/>
                 <a:cs typeface="Consolas"/>
               </a:rPr>
-              <a:t>  ipv4.addresses "192.168.x.x/24" \</a:t>
+              <a:t xml:space="preserve">  ipv4.addresses "192.168.x.x/24" \</a:t>
             </a:r>
           </a:p>
           <a:p>
@@ -10312,7 +10314,7 @@
                 <a:latin typeface="Consolas"/>
                 <a:cs typeface="Consolas"/>
               </a:rPr>
-              <a:t>  ipv4.gateway "192.168.x.1" \</a:t>
+              <a:t xml:space="preserve">  ipv4.gateway "192.168.x.1" \</a:t>
             </a:r>
           </a:p>
           <a:p>
@@ -10327,7 +10329,7 @@
                 <a:latin typeface="Consolas"/>
                 <a:cs typeface="Consolas"/>
               </a:rPr>
-              <a:t>  ipv4.dns "192.168.x.1"</a:t>
+              <a:t xml:space="preserve">  ipv4.dns "192.168.x.1"</a:t>
             </a:r>
           </a:p>
         </p:txBody>
@@ -10583,7 +10585,7 @@
                 <a:latin typeface="Arial"/>
                 <a:cs typeface="Arial"/>
               </a:rPr>
-              <a:t>  manual = 固定IPに設定</a:t>
+              <a:t xml:space="preserve">  manual = 固定IPに設定</a:t>
             </a:r>
           </a:p>
           <a:p>
@@ -10611,7 +10613,7 @@
                 <a:latin typeface="Arial"/>
                 <a:cs typeface="Arial"/>
               </a:rPr>
-              <a:t>  固定IP/サブネット</a:t>
+              <a:t xml:space="preserve">  固定IP/サブネット</a:t>
             </a:r>
           </a:p>
           <a:p>
@@ -10639,7 +10641,7 @@
                 <a:latin typeface="Arial"/>
                 <a:cs typeface="Arial"/>
               </a:rPr>
-              <a:t>  デフォルトゲートウェイ</a:t>
+              <a:t xml:space="preserve">  デフォルトゲートウェイ</a:t>
             </a:r>
           </a:p>
           <a:p>
@@ -10667,7 +10669,7 @@
                 <a:latin typeface="Arial"/>
                 <a:cs typeface="Arial"/>
               </a:rPr>
-              <a:t>  DNSサーバーアドレス</a:t>
+              <a:t xml:space="preserve">  DNSサーバーアドレス</a:t>
             </a:r>
           </a:p>
         </p:txBody>
@@ -10749,7 +10751,7 @@
                 <a:latin typeface="Arial"/>
                 <a:cs typeface="Arial"/>
               </a:rPr>
-              <a:t>各行末の </a:t>
+              <a:t xml:space="preserve">各行末の </a:t>
             </a:r>
             <a:r>
               <a:rPr lang="en-US" altLang="ja-JP" sz="1000" b="1" dirty="0">
@@ -10769,7 +10771,7 @@
                 <a:latin typeface="Arial"/>
                 <a:cs typeface="Arial"/>
               </a:rPr>
-              <a:t> は「次の行に続く」の意味。</a:t>
+              <a:t xml:space="preserve"> は「次の行に続く」の意味。</a:t>
             </a:r>
           </a:p>
           <a:p>
@@ -11067,7 +11069,7 @@
                 <a:ea typeface="Arial" pitchFamily="34" charset="-122"/>
                 <a:cs typeface="Arial"/>
               </a:rPr>
-              <a:t>17 / 20</a:t>
+              <a:t>17 / 22</a:t>
             </a:r>
             <a:endParaRPr lang="en-US" sz="750">
               <a:solidFill>
@@ -11287,7 +11289,7 @@
                 <a:latin typeface="Consolas"/>
                 <a:cs typeface="Consolas"/>
               </a:rPr>
-              <a:t>  ipv4.method manual \</a:t>
+              <a:t xml:space="preserve">  ipv4.method manual \</a:t>
             </a:r>
           </a:p>
           <a:p>
@@ -11302,7 +11304,7 @@
                 <a:latin typeface="Consolas"/>
                 <a:cs typeface="Consolas"/>
               </a:rPr>
-              <a:t>  ipv4.addresses "192.168.104.12/24"</a:t>
+              <a:t xml:space="preserve">  ipv4.addresses "192.168.104.12/24"</a:t>
             </a:r>
           </a:p>
         </p:txBody>
@@ -11756,7 +11758,7 @@
                 <a:latin typeface="Arial"/>
                 <a:cs typeface="Arial"/>
               </a:rPr>
-              <a:t>  manual = 固定IPに設定</a:t>
+              <a:t xml:space="preserve">  manual = 固定IPに設定</a:t>
             </a:r>
           </a:p>
           <a:p>
@@ -11784,7 +11786,7 @@
                 <a:latin typeface="Arial"/>
                 <a:cs typeface="Arial"/>
               </a:rPr>
-              <a:t>  固定IP/サブネット</a:t>
+              <a:t xml:space="preserve">  固定IP/サブネット</a:t>
             </a:r>
           </a:p>
         </p:txBody>
@@ -11904,7 +11906,7 @@
                 <a:latin typeface="Arial"/>
                 <a:cs typeface="Arial"/>
               </a:rPr>
-              <a:t> / </a:t>
+              <a:t xml:space="preserve"> / </a:t>
             </a:r>
             <a:r>
               <a:rPr lang="en-US" altLang="ja-JP" sz="900" dirty="0">
@@ -11924,7 +11926,7 @@
                 <a:latin typeface="Arial"/>
                 <a:cs typeface="Arial"/>
               </a:rPr>
-              <a:t> の設定は不要です。</a:t>
+              <a:t xml:space="preserve"> の設定は不要です。</a:t>
             </a:r>
           </a:p>
           <a:p>
@@ -12561,7 +12563,7 @@
                   <a:srgbClr val="00B050"/>
                 </a:solidFill>
               </a:rPr>
-              <a:t> https://</a:t>
+              <a:t xml:space="preserve"> https://</a:t>
             </a:r>
             <a:r>
               <a:rPr lang="en-US" altLang="ja-JP" sz="1000" dirty="0" err="1">
@@ -12756,7 +12758,7 @@
                 <a:ea typeface="Arial" pitchFamily="34" charset="-122"/>
                 <a:cs typeface="Arial" pitchFamily="34" charset="-120"/>
               </a:rPr>
-              <a:t>「Are you sure you want to do this?」→ </a:t>
+              <a:t xml:space="preserve">「Are you sure you want to do this?」→ </a:t>
             </a:r>
             <a:r>
               <a:rPr lang="en-US" sz="825" b="1">
@@ -12793,7 +12795,7 @@
                 <a:ea typeface="Arial" pitchFamily="34" charset="-122"/>
                 <a:cs typeface="Arial" pitchFamily="34" charset="-120"/>
               </a:rPr>
-              <a:t>「Would you like to install Pi-specific nodes?」→ </a:t>
+              <a:t xml:space="preserve">「Would you like to install Pi-specific nodes?」→ </a:t>
             </a:r>
             <a:r>
               <a:rPr lang="en-US" sz="825" b="1">
@@ -12925,7 +12927,7 @@
                 <a:ea typeface="Arial" pitchFamily="34" charset="-122"/>
                 <a:cs typeface="Arial" pitchFamily="34" charset="-120"/>
               </a:rPr>
-              <a:t> 約10〜20分程度（インターネット速度による）</a:t>
+              <a:t xml:space="preserve"> 約10〜20分程度（インターネット速度による）</a:t>
             </a:r>
             <a:endParaRPr lang="en-US" sz="825"/>
           </a:p>
@@ -12973,7 +12975,7 @@
                 <a:ea typeface="Arial" pitchFamily="34" charset="-122"/>
                 <a:cs typeface="Arial"/>
               </a:rPr>
-              <a:t>18 / 20</a:t>
+              <a:t>18 / 22</a:t>
             </a:r>
             <a:endParaRPr lang="en-US" sz="750">
               <a:solidFill>
@@ -12987,7 +12989,7 @@
       </p:sp>
       <p:pic>
         <p:nvPicPr>
-          <p:cNvPr id="28" name="図 27" descr="テキスト&#10;&#10;AI 生成コンテンツは誤りを含む可能性があります。">
+          <p:cNvPr id="28" name="図 27" descr="テキスト  AI 生成コンテンツは誤りを含む可能性があります。">
             <a:extLst>
               <a:ext uri="{FF2B5EF4-FFF2-40B4-BE49-F238E27FC236}">
                 <a16:creationId xmlns:a16="http://schemas.microsoft.com/office/drawing/2014/main" id="{99F7BAAD-8CAB-7989-F6E9-049B6A70EBFF}"/>
@@ -13484,7 +13486,7 @@
                   <a:srgbClr val="00B050"/>
                 </a:solidFill>
               </a:rPr>
-              <a:t> </a:t>
+              <a:t xml:space="preserve"> </a:t>
             </a:r>
             <a:r>
               <a:rPr lang="en-US" altLang="ja-JP" sz="1000" err="1">
@@ -13500,7 +13502,7 @@
                   <a:srgbClr val="00B050"/>
                 </a:solidFill>
               </a:rPr>
-              <a:t> enable </a:t>
+              <a:t xml:space="preserve"> enable </a:t>
             </a:r>
             <a:r>
               <a:rPr lang="en-US" altLang="ja-JP" sz="1000" err="1">
@@ -13770,7 +13772,7 @@
                 <a:ea typeface="Arial" pitchFamily="34" charset="-122"/>
                 <a:cs typeface="Arial"/>
               </a:rPr>
-              <a:t>19 / 20</a:t>
+              <a:t>19 / 22</a:t>
             </a:r>
             <a:endParaRPr lang="en-US" sz="750">
               <a:solidFill>
@@ -13784,7 +13786,7 @@
       </p:sp>
       <p:pic>
         <p:nvPicPr>
-          <p:cNvPr id="25" name="図 24" descr="テキスト, Web サイト&#10;&#10;AI 生成コンテンツは誤りを含む可能性があります。">
+          <p:cNvPr id="25" name="図 24" descr="テキスト, Web サイト  AI 生成コンテンツは誤りを含む可能性があります。">
             <a:extLst>
               <a:ext uri="{FF2B5EF4-FFF2-40B4-BE49-F238E27FC236}">
                 <a16:creationId xmlns:a16="http://schemas.microsoft.com/office/drawing/2014/main" id="{D1884210-12FD-27DA-155A-D8E76F75931B}"/>
@@ -13897,7 +13899,7 @@
                 <a:latin typeface="Arial"/>
                 <a:cs typeface="Arial"/>
               </a:rPr>
-              <a:t>systemd </a:t>
+              <a:t xml:space="preserve">systemd </a:t>
             </a:r>
             <a:r>
               <a:rPr lang="ja-JP" altLang="en-US" sz="950" dirty="0">
@@ -13932,7 +13934,7 @@
                 <a:latin typeface="Arial"/>
                 <a:cs typeface="Arial"/>
               </a:rPr>
-              <a:t>systemctl enable </a:t>
+              <a:t xml:space="preserve">systemctl enable </a:t>
             </a:r>
             <a:r>
               <a:rPr lang="ja-JP" altLang="en-US" sz="950" dirty="0">
@@ -14292,7 +14294,7 @@
                 <a:ea typeface="Arial" pitchFamily="34" charset="-122"/>
                 <a:cs typeface="Arial" pitchFamily="34" charset="-120"/>
               </a:rPr>
-              <a:t>Raspberry </a:t>
+              <a:t xml:space="preserve">Raspberry </a:t>
             </a:r>
             <a:r>
               <a:rPr lang="en-US" sz="975" b="1" err="1">
@@ -15248,7 +15250,7 @@
                 <a:ea typeface="Arial" pitchFamily="34" charset="-122"/>
                 <a:cs typeface="Arial"/>
               </a:rPr>
-              <a:t>2 / 20</a:t>
+              <a:t>2 / 22</a:t>
             </a:r>
             <a:endParaRPr lang="en-US" sz="750">
               <a:solidFill>
@@ -15262,7 +15264,7 @@
       </p:sp>
       <p:pic>
         <p:nvPicPr>
-          <p:cNvPr id="37" name="図 36" descr="電子機器の部品&#10;&#10;AI 生成コンテンツは誤りを含む可能性があります。">
+          <p:cNvPr id="37" name="図 36" descr="電子機器の部品  AI 生成コンテンツは誤りを含む可能性があります。">
             <a:extLst>
               <a:ext uri="{FF2B5EF4-FFF2-40B4-BE49-F238E27FC236}">
                 <a16:creationId xmlns:a16="http://schemas.microsoft.com/office/drawing/2014/main" id="{35CA4F46-4747-429B-A1FA-4421DFBD5FB0}"/>
@@ -16115,7 +16117,7 @@
                 <a:ea typeface="Arial" pitchFamily="34" charset="-122"/>
                 <a:cs typeface="Arial"/>
               </a:rPr>
-              <a:t>20 / 20</a:t>
+              <a:t>20 / 22</a:t>
             </a:r>
             <a:endParaRPr lang="en-US" sz="750">
               <a:solidFill>
@@ -16227,6 +16229,1746 @@
     <p:extLst>
       <p:ext uri="{BB962C8B-B14F-4D97-AF65-F5344CB8AC3E}">
         <p14:creationId xmlns:p14="http://schemas.microsoft.com/office/powerpoint/2010/main" val="2869998205"/>
+      </p:ext>
+    </p:extLst>
+  </p:cSld>
+  <p:clrMapOvr>
+    <a:masterClrMapping/>
+  </p:clrMapOvr>
+</p:sld>
+</file>
+
+<file path=ppt/slides/slide21.xml><?xml version="1.0" encoding="utf-8"?>
+<p:sld xmlns:a="http://schemas.openxmlformats.org/drawingml/2006/main" xmlns:r="http://schemas.openxmlformats.org/officeDocument/2006/relationships" xmlns:p="http://schemas.openxmlformats.org/presentationml/2006/main">
+  <p:cSld name="Slide 11">
+    <p:bg>
+      <p:bgPr>
+        <a:solidFill>
+          <a:srgbClr val="FFFFFF"/>
+        </a:solidFill>
+        <a:effectLst/>
+      </p:bgPr>
+    </p:bg>
+    <p:spTree>
+      <p:nvGrpSpPr>
+        <p:cNvPr id="1" name=""/>
+        <p:cNvGrpSpPr/>
+        <p:nvPr/>
+      </p:nvGrpSpPr>
+      <p:grpSpPr>
+        <a:xfrm>
+          <a:off x="0" y="0"/>
+          <a:ext cx="0" cy="0"/>
+          <a:chOff x="0" y="0"/>
+          <a:chExt cx="0" cy="0"/>
+        </a:xfrm>
+      </p:grpSpPr>
+      <p:sp>
+        <p:nvSpPr>
+          <p:cNvPr id="2" name="Text 0"/>
+          <p:cNvSpPr/>
+          <p:nvPr/>
+        </p:nvSpPr>
+        <p:spPr>
+          <a:xfrm>
+            <a:off x="0" y="0"/>
+            <a:ext cx="76200" cy="5143500"/>
+          </a:xfrm>
+          <a:prstGeom prst="rect">
+            <a:avLst/>
+          </a:prstGeom>
+          <a:solidFill>
+            <a:srgbClr val="2C8741"/>
+          </a:solidFill>
+          <a:ln/>
+        </p:spPr>
+        <p:txBody>
+          <a:bodyPr wrap="square" rtlCol="0" anchor="ctr"/>
+          <a:lstStyle/>
+          <a:p>
+            <a:pPr marL="0" indent="0">
+              <a:buNone/>
+            </a:pPr>
+            <a:endParaRPr lang="en-US"/>
+          </a:p>
+        </p:txBody>
+      </p:sp>
+      <p:sp>
+        <p:nvSpPr>
+          <p:cNvPr id="3" name="Text 1"/>
+          <p:cNvSpPr/>
+          <p:nvPr/>
+        </p:nvSpPr>
+        <p:spPr>
+          <a:xfrm>
+            <a:off x="381000" y="266700"/>
+            <a:ext cx="8549640" cy="159990"/>
+          </a:xfrm>
+          <a:prstGeom prst="rect">
+            <a:avLst/>
+          </a:prstGeom>
+          <a:noFill/>
+          <a:ln/>
+        </p:spPr>
+        <p:txBody>
+          <a:bodyPr wrap="square" lIns="0" tIns="0" rIns="0" bIns="0" rtlCol="0" anchor="t"/>
+          <a:lstStyle/>
+          <a:p>
+            <a:pPr marL="0" indent="0" algn="l">
+              <a:lnSpc>
+                <a:spcPts val="1260"/>
+              </a:lnSpc>
+              <a:spcBef>
+                <a:spcPts val="300"/>
+              </a:spcBef>
+              <a:spcAft>
+                <a:spcPts val="300"/>
+              </a:spcAft>
+              <a:buNone/>
+            </a:pPr>
+            <a:r>
+              <a:rPr lang="en-US" sz="900" b="1">
+                <a:solidFill>
+                  <a:srgbClr val="2C8741"/>
+                </a:solidFill>
+                <a:latin typeface="Arial" pitchFamily="34" charset="0"/>
+                <a:ea typeface="Arial" pitchFamily="34" charset="-122"/>
+                <a:cs typeface="Arial" pitchFamily="34" charset="-120"/>
+              </a:rPr>
+              <a:t>STEP 7-1</a:t>
+            </a:r>
+            <a:endParaRPr lang="en-US" sz="900"/>
+          </a:p>
+        </p:txBody>
+      </p:sp>
+      <p:sp>
+        <p:nvSpPr>
+          <p:cNvPr id="4" name="Text 2"/>
+          <p:cNvSpPr/>
+          <p:nvPr/>
+        </p:nvSpPr>
+        <p:spPr>
+          <a:xfrm>
+            <a:off x="381000" y="464790"/>
+            <a:ext cx="4284536" cy="304800"/>
+          </a:xfrm>
+          <a:prstGeom prst="rect">
+            <a:avLst/>
+          </a:prstGeom>
+          <a:noFill/>
+          <a:ln/>
+        </p:spPr>
+        <p:txBody>
+          <a:bodyPr wrap="square" lIns="0" tIns="0" rIns="0" bIns="0" rtlCol="0" anchor="t"/>
+          <a:lstStyle/>
+          <a:p>
+            <a:pPr marL="0" indent="0" algn="l">
+              <a:lnSpc>
+                <a:spcPts val="2400"/>
+              </a:lnSpc>
+              <a:buNone/>
+            </a:pPr>
+            <a:r>
+              <a:rPr lang="en-US" sz="2400" b="1">
+                <a:solidFill>
+                  <a:srgbClr val="1D1D1D"/>
+                </a:solidFill>
+                <a:latin typeface="Arial" pitchFamily="34" charset="0"/>
+                <a:ea typeface="Arial" pitchFamily="34" charset="-122"/>
+                <a:cs typeface="Arial" pitchFamily="34" charset="-120"/>
+              </a:rPr>
+              <a:t>セキュリティ設定（パスワード認証）</a:t>
+            </a:r>
+            <a:endParaRPr lang="en-US" sz="2400"/>
+          </a:p>
+        </p:txBody>
+      </p:sp>
+      <p:sp>
+        <p:nvSpPr>
+          <p:cNvPr id="5" name="Text 3"/>
+          <p:cNvSpPr/>
+          <p:nvPr/>
+        </p:nvSpPr>
+        <p:spPr>
+          <a:xfrm>
+            <a:off x="381000" y="1231702"/>
+            <a:ext cx="4457700" cy="609600"/>
+          </a:xfrm>
+          <a:prstGeom prst="roundRect">
+            <a:avLst>
+              <a:gd name="adj" fmla="val 12500"/>
+            </a:avLst>
+          </a:prstGeom>
+          <a:solidFill>
+            <a:srgbClr val="FAFAFA"/>
+          </a:solidFill>
+          <a:ln/>
+        </p:spPr>
+        <p:txBody>
+          <a:bodyPr wrap="square" rtlCol="0" anchor="ctr"/>
+          <a:lstStyle/>
+          <a:p>
+            <a:pPr marL="0" indent="0">
+              <a:buNone/>
+            </a:pPr>
+            <a:endParaRPr lang="en-US"/>
+          </a:p>
+        </p:txBody>
+      </p:sp>
+      <p:sp>
+        <p:nvSpPr>
+          <p:cNvPr id="6" name="Text 4"/>
+          <p:cNvSpPr/>
+          <p:nvPr/>
+        </p:nvSpPr>
+        <p:spPr>
+          <a:xfrm>
+            <a:off x="514350" y="1365052"/>
+            <a:ext cx="266700" cy="266700"/>
+          </a:xfrm>
+          <a:prstGeom prst="roundRect">
+            <a:avLst>
+              <a:gd name="adj" fmla="val 342857"/>
+            </a:avLst>
+          </a:prstGeom>
+          <a:solidFill>
+            <a:srgbClr val="2C8741"/>
+          </a:solidFill>
+          <a:ln/>
+        </p:spPr>
+        <p:txBody>
+          <a:bodyPr wrap="square" rtlCol="0" anchor="ctr"/>
+          <a:lstStyle/>
+          <a:p>
+            <a:pPr marL="0" indent="0">
+              <a:buNone/>
+            </a:pPr>
+            <a:endParaRPr lang="en-US"/>
+          </a:p>
+        </p:txBody>
+      </p:sp>
+      <p:sp>
+        <p:nvSpPr>
+          <p:cNvPr id="7" name="Text 5"/>
+          <p:cNvSpPr/>
+          <p:nvPr/>
+        </p:nvSpPr>
+        <p:spPr>
+          <a:xfrm>
+            <a:off x="594717" y="1365052"/>
+            <a:ext cx="108085" cy="266700"/>
+          </a:xfrm>
+          <a:prstGeom prst="rect">
+            <a:avLst/>
+          </a:prstGeom>
+          <a:noFill/>
+          <a:ln/>
+        </p:spPr>
+        <p:txBody>
+          <a:bodyPr wrap="square" lIns="0" tIns="0" rIns="0" bIns="0" rtlCol="0" anchor="t"/>
+          <a:lstStyle/>
+          <a:p>
+            <a:pPr marL="0" indent="0" algn="l">
+              <a:lnSpc>
+                <a:spcPts val="2100"/>
+              </a:lnSpc>
+              <a:spcBef>
+                <a:spcPts val="300"/>
+              </a:spcBef>
+              <a:spcAft>
+                <a:spcPts val="300"/>
+              </a:spcAft>
+              <a:buNone/>
+            </a:pPr>
+            <a:r>
+              <a:rPr lang="en-US" sz="1500">
+                <a:solidFill>
+                  <a:srgbClr val="FFFFFF"/>
+                </a:solidFill>
+                <a:latin typeface="Arial" pitchFamily="34" charset="0"/>
+                <a:ea typeface="Arial" pitchFamily="34" charset="-122"/>
+                <a:cs typeface="Arial" pitchFamily="34" charset="-120"/>
+              </a:rPr>
+              <a:t>1</a:t>
+            </a:r>
+            <a:endParaRPr lang="en-US" sz="1500"/>
+          </a:p>
+        </p:txBody>
+      </p:sp>
+      <p:sp>
+        <p:nvSpPr>
+          <p:cNvPr id="8" name="Text 6"/>
+          <p:cNvSpPr/>
+          <p:nvPr/>
+        </p:nvSpPr>
+        <p:spPr>
+          <a:xfrm>
+            <a:off x="857250" y="1405086"/>
+            <a:ext cx="2540000" cy="186630"/>
+          </a:xfrm>
+          <a:prstGeom prst="rect">
+            <a:avLst/>
+          </a:prstGeom>
+          <a:noFill/>
+          <a:ln/>
+        </p:spPr>
+        <p:txBody>
+          <a:bodyPr wrap="square" lIns="0" tIns="0" rIns="0" bIns="0" rtlCol="0" anchor="t"/>
+          <a:lstStyle/>
+          <a:p>
+            <a:pPr marL="0" indent="0" algn="l">
+              <a:lnSpc>
+                <a:spcPts val="1470"/>
+              </a:lnSpc>
+              <a:spcBef>
+                <a:spcPts val="300"/>
+              </a:spcBef>
+              <a:spcAft>
+                <a:spcPts val="300"/>
+              </a:spcAft>
+              <a:buNone/>
+            </a:pPr>
+            <a:r>
+              <a:rPr lang="en-US" sz="1050" b="1">
+                <a:solidFill>
+                  <a:srgbClr val="1D1D1D"/>
+                </a:solidFill>
+                <a:latin typeface="Arial" pitchFamily="34" charset="0"/>
+                <a:ea typeface="Arial" pitchFamily="34" charset="-122"/>
+                <a:cs typeface="Arial" pitchFamily="34" charset="-120"/>
+              </a:rPr>
+              <a:t>パスワードのハッシュ値を生成</a:t>
+            </a:r>
+            <a:endParaRPr lang="en-US" sz="1050"/>
+          </a:p>
+        </p:txBody>
+      </p:sp>
+      <p:sp>
+        <p:nvSpPr>
+          <p:cNvPr id="9" name="Text 7"/>
+          <p:cNvSpPr/>
+          <p:nvPr/>
+        </p:nvSpPr>
+        <p:spPr>
+          <a:xfrm>
+            <a:off x="396657" y="1993702"/>
+            <a:ext cx="4434215" cy="1278049"/>
+          </a:xfrm>
+          <a:prstGeom prst="roundRect">
+            <a:avLst>
+              <a:gd name="adj" fmla="val 6310"/>
+            </a:avLst>
+          </a:prstGeom>
+          <a:solidFill>
+            <a:srgbClr val="FAFAFA"/>
+          </a:solidFill>
+          <a:ln/>
+        </p:spPr>
+        <p:txBody>
+          <a:bodyPr wrap="square" rtlCol="0" anchor="ctr"/>
+          <a:lstStyle/>
+          <a:p>
+            <a:pPr marL="0" indent="0">
+              <a:buNone/>
+            </a:pPr>
+            <a:endParaRPr lang="en-US"/>
+          </a:p>
+        </p:txBody>
+      </p:sp>
+      <p:sp>
+        <p:nvSpPr>
+          <p:cNvPr id="10" name="Text 8"/>
+          <p:cNvSpPr/>
+          <p:nvPr/>
+        </p:nvSpPr>
+        <p:spPr>
+          <a:xfrm>
+            <a:off x="514350" y="2127052"/>
+            <a:ext cx="266700" cy="266700"/>
+          </a:xfrm>
+          <a:prstGeom prst="roundRect">
+            <a:avLst>
+              <a:gd name="adj" fmla="val 342857"/>
+            </a:avLst>
+          </a:prstGeom>
+          <a:solidFill>
+            <a:srgbClr val="2C8741"/>
+          </a:solidFill>
+          <a:ln/>
+        </p:spPr>
+        <p:txBody>
+          <a:bodyPr wrap="square" rtlCol="0" anchor="ctr"/>
+          <a:lstStyle/>
+          <a:p>
+            <a:pPr marL="0" indent="0">
+              <a:buNone/>
+            </a:pPr>
+            <a:endParaRPr lang="en-US"/>
+          </a:p>
+        </p:txBody>
+      </p:sp>
+      <p:sp>
+        <p:nvSpPr>
+          <p:cNvPr id="11" name="Text 9"/>
+          <p:cNvSpPr/>
+          <p:nvPr/>
+        </p:nvSpPr>
+        <p:spPr>
+          <a:xfrm>
+            <a:off x="594717" y="2127052"/>
+            <a:ext cx="108085" cy="266700"/>
+          </a:xfrm>
+          <a:prstGeom prst="rect">
+            <a:avLst/>
+          </a:prstGeom>
+          <a:noFill/>
+          <a:ln/>
+        </p:spPr>
+        <p:txBody>
+          <a:bodyPr wrap="square" lIns="0" tIns="0" rIns="0" bIns="0" rtlCol="0" anchor="t"/>
+          <a:lstStyle/>
+          <a:p>
+            <a:pPr marL="0" indent="0" algn="l">
+              <a:lnSpc>
+                <a:spcPts val="2100"/>
+              </a:lnSpc>
+              <a:spcBef>
+                <a:spcPts val="300"/>
+              </a:spcBef>
+              <a:spcAft>
+                <a:spcPts val="300"/>
+              </a:spcAft>
+              <a:buNone/>
+            </a:pPr>
+            <a:r>
+              <a:rPr lang="en-US" sz="1500">
+                <a:solidFill>
+                  <a:srgbClr val="FFFFFF"/>
+                </a:solidFill>
+                <a:latin typeface="Arial" pitchFamily="34" charset="0"/>
+                <a:ea typeface="Arial" pitchFamily="34" charset="-122"/>
+                <a:cs typeface="Arial" pitchFamily="34" charset="-120"/>
+              </a:rPr>
+              <a:t>2</a:t>
+            </a:r>
+            <a:endParaRPr lang="en-US" sz="1500"/>
+          </a:p>
+        </p:txBody>
+      </p:sp>
+      <p:sp>
+        <p:nvSpPr>
+          <p:cNvPr id="12" name="Text 10"/>
+          <p:cNvSpPr/>
+          <p:nvPr/>
+        </p:nvSpPr>
+        <p:spPr>
+          <a:xfrm>
+            <a:off x="857250" y="2127943"/>
+            <a:ext cx="3714462" cy="343204"/>
+          </a:xfrm>
+          <a:prstGeom prst="rect">
+            <a:avLst/>
+          </a:prstGeom>
+          <a:noFill/>
+          <a:ln/>
+        </p:spPr>
+        <p:txBody>
+          <a:bodyPr wrap="square" lIns="0" tIns="0" rIns="0" bIns="0" rtlCol="0" anchor="t"/>
+          <a:lstStyle/>
+          <a:p>
+            <a:pPr marL="0" indent="0" algn="l">
+              <a:lnSpc>
+                <a:spcPts val="1470"/>
+              </a:lnSpc>
+              <a:spcBef>
+                <a:spcPts val="300"/>
+              </a:spcBef>
+              <a:spcAft>
+                <a:spcPts val="300"/>
+              </a:spcAft>
+              <a:buNone/>
+            </a:pPr>
+            <a:r>
+              <a:rPr lang="ja-JP" altLang="en-US" sz="1050" b="1">
+                <a:solidFill>
+                  <a:srgbClr val="1D1D1D"/>
+                </a:solidFill>
+                <a:latin typeface="Arial"/>
+                <a:ea typeface="Arial" pitchFamily="34" charset="-122"/>
+                <a:cs typeface="Arial"/>
+              </a:rPr>
+              <a:t>以下のコマンドでハッシュ値を生成し、表示された値をコピー</a:t>
+            </a:r>
+            <a:endParaRPr lang="ja-JP" altLang="en-US" sz="1050" b="1">
+              <a:solidFill>
+                <a:srgbClr val="1D1D1D"/>
+              </a:solidFill>
+              <a:latin typeface="Arial"/>
+              <a:cs typeface="Arial"/>
+            </a:endParaRPr>
+          </a:p>
+        </p:txBody>
+      </p:sp>
+      <p:sp>
+        <p:nvSpPr>
+          <p:cNvPr id="13" name="Text 11"/>
+          <p:cNvSpPr/>
+          <p:nvPr/>
+        </p:nvSpPr>
+        <p:spPr>
+          <a:xfrm>
+            <a:off x="514350" y="2571726"/>
+            <a:ext cx="4191000" cy="597991"/>
+          </a:xfrm>
+          <a:prstGeom prst="roundRect">
+            <a:avLst>
+              <a:gd name="adj" fmla="val 6371"/>
+            </a:avLst>
+          </a:prstGeom>
+          <a:solidFill>
+            <a:srgbClr val="1D1D1D"/>
+          </a:solidFill>
+          <a:ln/>
+        </p:spPr>
+        <p:txBody>
+          <a:bodyPr wrap="square" rtlCol="0" anchor="ctr"/>
+          <a:lstStyle/>
+          <a:p>
+            <a:pPr marL="0" indent="0">
+              <a:buNone/>
+            </a:pPr>
+            <a:endParaRPr lang="en-US"/>
+          </a:p>
+        </p:txBody>
+      </p:sp>
+      <p:sp>
+        <p:nvSpPr>
+          <p:cNvPr id="14" name="Text 12"/>
+          <p:cNvSpPr/>
+          <p:nvPr/>
+        </p:nvSpPr>
+        <p:spPr>
+          <a:xfrm>
+            <a:off x="628650" y="2724126"/>
+            <a:ext cx="4041648" cy="293191"/>
+          </a:xfrm>
+          <a:prstGeom prst="rect">
+            <a:avLst/>
+          </a:prstGeom>
+          <a:noFill/>
+          <a:ln/>
+        </p:spPr>
+        <p:txBody>
+          <a:bodyPr wrap="square" lIns="0" tIns="0" rIns="0" bIns="0" rtlCol="0" anchor="t"/>
+          <a:lstStyle/>
+          <a:p>
+            <a:r>
+              <a:rPr lang="en-US" altLang="ja-JP" sz="1000" dirty="0">
+                <a:solidFill>
+                  <a:srgbClr val="00B050"/>
+                </a:solidFill>
+              </a:rPr>
+              <a:t>node-red admin hash-pw</a:t>
+            </a:r>
+          </a:p>
+        </p:txBody>
+      </p:sp>
+      <p:sp>
+        <p:nvSpPr>
+          <p:cNvPr id="15" name="Text 13"/>
+          <p:cNvSpPr/>
+          <p:nvPr/>
+        </p:nvSpPr>
+        <p:spPr>
+          <a:xfrm>
+            <a:off x="381000" y="3353693"/>
+            <a:ext cx="4457700" cy="876151"/>
+          </a:xfrm>
+          <a:prstGeom prst="roundRect">
+            <a:avLst>
+              <a:gd name="adj" fmla="val 8697"/>
+            </a:avLst>
+          </a:prstGeom>
+          <a:solidFill>
+            <a:srgbClr val="E8F5E9"/>
+          </a:solidFill>
+          <a:ln w="9525">
+            <a:solidFill>
+              <a:srgbClr val="A5D6A7"/>
+            </a:solidFill>
+          </a:ln>
+        </p:spPr>
+        <p:txBody>
+          <a:bodyPr wrap="square" rtlCol="0" anchor="ctr"/>
+          <a:lstStyle/>
+          <a:p>
+            <a:pPr marL="0" indent="0">
+              <a:buNone/>
+            </a:pPr>
+            <a:endParaRPr lang="en-US"/>
+          </a:p>
+        </p:txBody>
+      </p:sp>
+      <p:sp>
+        <p:nvSpPr>
+          <p:cNvPr id="16" name="Text 14"/>
+          <p:cNvSpPr/>
+          <p:nvPr/>
+        </p:nvSpPr>
+        <p:spPr>
+          <a:xfrm>
+            <a:off x="504825" y="3515618"/>
+            <a:ext cx="4294251" cy="159990"/>
+          </a:xfrm>
+          <a:prstGeom prst="rect">
+            <a:avLst/>
+          </a:prstGeom>
+          <a:noFill/>
+          <a:ln/>
+        </p:spPr>
+        <p:txBody>
+          <a:bodyPr wrap="square" lIns="0" tIns="0" rIns="0" bIns="0" rtlCol="0" anchor="t"/>
+          <a:lstStyle/>
+          <a:p>
+            <a:pPr marL="0" indent="0" algn="l">
+              <a:lnSpc>
+                <a:spcPts val="1260"/>
+              </a:lnSpc>
+              <a:spcBef>
+                <a:spcPts val="300"/>
+              </a:spcBef>
+              <a:spcAft>
+                <a:spcPts val="450"/>
+              </a:spcAft>
+              <a:buNone/>
+            </a:pPr>
+            <a:r>
+              <a:rPr lang="en-US" sz="900" b="1">
+                <a:solidFill>
+                  <a:srgbClr val="1B5E20"/>
+                </a:solidFill>
+                <a:latin typeface="Arial" pitchFamily="34" charset="0"/>
+                <a:ea typeface="Arial" pitchFamily="34" charset="-122"/>
+                <a:cs typeface="Arial" pitchFamily="34" charset="-120"/>
+              </a:rPr>
+              <a:t>⚠️ セキュリティに関する重要な注意</a:t>
+            </a:r>
+            <a:endParaRPr lang="en-US" sz="900"/>
+          </a:p>
+        </p:txBody>
+      </p:sp>
+      <p:sp>
+        <p:nvSpPr>
+          <p:cNvPr id="17" name="Text 15"/>
+          <p:cNvSpPr/>
+          <p:nvPr/>
+        </p:nvSpPr>
+        <p:spPr>
+          <a:xfrm>
+            <a:off x="504825" y="3732758"/>
+            <a:ext cx="4294251" cy="335161"/>
+          </a:xfrm>
+          <a:prstGeom prst="rect">
+            <a:avLst/>
+          </a:prstGeom>
+          <a:noFill/>
+          <a:ln/>
+        </p:spPr>
+        <p:txBody>
+          <a:bodyPr wrap="square" lIns="0" tIns="0" rIns="0" bIns="0" rtlCol="0" anchor="t"/>
+          <a:lstStyle/>
+          <a:p>
+            <a:pPr marL="0" indent="0" algn="l">
+              <a:lnSpc>
+                <a:spcPts val="1320"/>
+              </a:lnSpc>
+              <a:spcBef>
+                <a:spcPts val="300"/>
+              </a:spcBef>
+              <a:spcAft>
+                <a:spcPts val="300"/>
+              </a:spcAft>
+              <a:buNone/>
+            </a:pPr>
+            <a:r>
+              <a:rPr lang="ja-JP" altLang="en-US" sz="825">
+                <a:solidFill>
+                  <a:srgbClr val="2E7D32"/>
+                </a:solidFill>
+                <a:latin typeface="Arial" pitchFamily="34" charset="0"/>
+                <a:ea typeface="Arial" pitchFamily="34" charset="-122"/>
+                <a:cs typeface="Arial" pitchFamily="34" charset="-120"/>
+              </a:rPr>
+              <a:t>デフォルトではNode-REDエディタにパスワードは設定されていません。同じネットワーク内の誰でもアクセスできるため、必ずパスワード認証を設定してください。</a:t>
+            </a:r>
+            <a:endParaRPr lang="ja-JP" altLang="en-US" sz="825"/>
+          </a:p>
+        </p:txBody>
+      </p:sp>
+      <p:sp>
+        <p:nvSpPr>
+          <p:cNvPr id="18" name="Text 16"/>
+          <p:cNvSpPr/>
+          <p:nvPr/>
+        </p:nvSpPr>
+        <p:spPr>
+          <a:xfrm>
+            <a:off x="381000" y="4382244"/>
+            <a:ext cx="4457700" cy="413296"/>
+          </a:xfrm>
+          <a:prstGeom prst="roundRect">
+            <a:avLst>
+              <a:gd name="adj" fmla="val 18437"/>
+            </a:avLst>
+          </a:prstGeom>
+          <a:solidFill>
+            <a:srgbClr val="FFF8E1"/>
+          </a:solidFill>
+          <a:ln/>
+        </p:spPr>
+        <p:txBody>
+          <a:bodyPr wrap="square" rtlCol="0" anchor="ctr"/>
+          <a:lstStyle/>
+          <a:p>
+            <a:pPr marL="0" indent="0">
+              <a:buNone/>
+            </a:pPr>
+            <a:endParaRPr lang="en-US"/>
+          </a:p>
+        </p:txBody>
+      </p:sp>
+      <p:sp>
+        <p:nvSpPr>
+          <p:cNvPr id="19" name="Shape 17"/>
+          <p:cNvSpPr/>
+          <p:nvPr/>
+        </p:nvSpPr>
+        <p:spPr>
+          <a:xfrm>
+            <a:off x="400050" y="4382244"/>
+            <a:ext cx="0" cy="413296"/>
+          </a:xfrm>
+          <a:prstGeom prst="line">
+            <a:avLst/>
+          </a:prstGeom>
+          <a:noFill/>
+          <a:ln w="38100">
+            <a:solidFill>
+              <a:srgbClr val="FFA000"/>
+            </a:solidFill>
+            <a:prstDash val="solid"/>
+          </a:ln>
+        </p:spPr>
+        <p:txBody>
+          <a:bodyPr/>
+          <a:lstStyle/>
+          <a:p>
+            <a:endParaRPr lang="ja-JP" altLang="en-US"/>
+          </a:p>
+        </p:txBody>
+      </p:sp>
+      <p:sp>
+        <p:nvSpPr>
+          <p:cNvPr id="20" name="Text 18"/>
+          <p:cNvSpPr/>
+          <p:nvPr/>
+        </p:nvSpPr>
+        <p:spPr>
+          <a:xfrm>
+            <a:off x="514350" y="4515594"/>
+            <a:ext cx="4313682" cy="146596"/>
+          </a:xfrm>
+          <a:prstGeom prst="rect">
+            <a:avLst/>
+          </a:prstGeom>
+          <a:noFill/>
+          <a:ln/>
+        </p:spPr>
+        <p:txBody>
+          <a:bodyPr wrap="square" lIns="0" tIns="0" rIns="0" bIns="0" rtlCol="0" anchor="t"/>
+          <a:lstStyle/>
+          <a:p>
+            <a:pPr marL="0" indent="0" algn="l">
+              <a:lnSpc>
+                <a:spcPts val="1155"/>
+              </a:lnSpc>
+              <a:spcBef>
+                <a:spcPts val="300"/>
+              </a:spcBef>
+              <a:spcAft>
+                <a:spcPts val="300"/>
+              </a:spcAft>
+              <a:buNone/>
+            </a:pPr>
+            <a:r>
+              <a:rPr lang="en-US" sz="825" b="1">
+                <a:solidFill>
+                  <a:srgbClr val="E65100"/>
+                </a:solidFill>
+                <a:latin typeface="Arial" pitchFamily="34" charset="0"/>
+                <a:ea typeface="Arial" pitchFamily="34" charset="-122"/>
+                <a:cs typeface="Arial" pitchFamily="34" charset="-120"/>
+              </a:rPr>
+              <a:t>📝 プロンプトが表示されたら、設定したいパスワードを入力します。表示されたハッシュ値（$2b$08$...）をコピーしておきます。</a:t>
+            </a:r>
+            <a:endParaRPr lang="en-US" sz="825"/>
+          </a:p>
+        </p:txBody>
+      </p:sp>
+      <p:sp>
+        <p:nvSpPr>
+          <p:cNvPr id="24" name="Text 22"/>
+          <p:cNvSpPr/>
+          <p:nvPr/>
+        </p:nvSpPr>
+        <p:spPr>
+          <a:xfrm>
+            <a:off x="8534400" y="4781550"/>
+            <a:ext cx="381000" cy="133350"/>
+          </a:xfrm>
+          <a:prstGeom prst="rect">
+            <a:avLst/>
+          </a:prstGeom>
+          <a:noFill/>
+          <a:ln/>
+        </p:spPr>
+        <p:txBody>
+          <a:bodyPr wrap="square" lIns="0" tIns="0" rIns="0" bIns="0" rtlCol="0" anchor="t"/>
+          <a:lstStyle/>
+          <a:p>
+            <a:pPr marL="0" indent="0" algn="l">
+              <a:lnSpc>
+                <a:spcPts val="1050"/>
+              </a:lnSpc>
+              <a:spcBef>
+                <a:spcPts val="300"/>
+              </a:spcBef>
+              <a:spcAft>
+                <a:spcPts val="300"/>
+              </a:spcAft>
+              <a:buNone/>
+            </a:pPr>
+            <a:r>
+              <a:rPr lang="en-US" sz="750">
+                <a:solidFill>
+                  <a:srgbClr val="A3A3A3"/>
+                </a:solidFill>
+                <a:latin typeface="Arial"/>
+                <a:ea typeface="Arial" pitchFamily="34" charset="-122"/>
+                <a:cs typeface="Arial"/>
+              </a:rPr>
+              <a:t>21 / 22</a:t>
+            </a:r>
+            <a:endParaRPr lang="en-US" sz="750">
+              <a:solidFill>
+                <a:srgbClr val="A3A3A3"/>
+              </a:solidFill>
+              <a:latin typeface="Arial"/>
+              <a:cs typeface="Arial"/>
+            </a:endParaRPr>
+          </a:p>
+        </p:txBody>
+      </p:sp>
+    </p:spTree>
+    <p:extLst>
+      <p:ext uri="{BB962C8B-B14F-4D97-AF65-F5344CB8AC3E}">
+        <p14:creationId xmlns:p14="http://schemas.microsoft.com/office/powerpoint/2010/main" val="3781505547"/>
+      </p:ext>
+    </p:extLst>
+  </p:cSld>
+  <p:clrMapOvr>
+    <a:masterClrMapping/>
+  </p:clrMapOvr>
+</p:sld>
+</file>
+
+<file path=ppt/slides/slide22.xml><?xml version="1.0" encoding="utf-8"?>
+<p:sld xmlns:a="http://schemas.openxmlformats.org/drawingml/2006/main" xmlns:r="http://schemas.openxmlformats.org/officeDocument/2006/relationships" xmlns:p="http://schemas.openxmlformats.org/presentationml/2006/main">
+  <p:cSld name="Slide 11">
+    <p:bg>
+      <p:bgPr>
+        <a:solidFill>
+          <a:srgbClr val="FFFFFF"/>
+        </a:solidFill>
+        <a:effectLst/>
+      </p:bgPr>
+    </p:bg>
+    <p:spTree>
+      <p:nvGrpSpPr>
+        <p:cNvPr id="1" name=""/>
+        <p:cNvGrpSpPr/>
+        <p:nvPr/>
+      </p:nvGrpSpPr>
+      <p:grpSpPr>
+        <a:xfrm>
+          <a:off x="0" y="0"/>
+          <a:ext cx="0" cy="0"/>
+          <a:chOff x="0" y="0"/>
+          <a:chExt cx="0" cy="0"/>
+        </a:xfrm>
+      </p:grpSpPr>
+      <p:sp>
+        <p:nvSpPr>
+          <p:cNvPr id="2" name="Text 0"/>
+          <p:cNvSpPr/>
+          <p:nvPr/>
+        </p:nvSpPr>
+        <p:spPr>
+          <a:xfrm>
+            <a:off x="0" y="0"/>
+            <a:ext cx="76200" cy="5143500"/>
+          </a:xfrm>
+          <a:prstGeom prst="rect">
+            <a:avLst/>
+          </a:prstGeom>
+          <a:solidFill>
+            <a:srgbClr val="2C8741"/>
+          </a:solidFill>
+          <a:ln/>
+        </p:spPr>
+        <p:txBody>
+          <a:bodyPr wrap="square" rtlCol="0" anchor="ctr"/>
+          <a:lstStyle/>
+          <a:p>
+            <a:pPr marL="0" indent="0">
+              <a:buNone/>
+            </a:pPr>
+            <a:endParaRPr lang="en-US"/>
+          </a:p>
+        </p:txBody>
+      </p:sp>
+      <p:sp>
+        <p:nvSpPr>
+          <p:cNvPr id="3" name="Text 1"/>
+          <p:cNvSpPr/>
+          <p:nvPr/>
+        </p:nvSpPr>
+        <p:spPr>
+          <a:xfrm>
+            <a:off x="381000" y="266700"/>
+            <a:ext cx="8549640" cy="159990"/>
+          </a:xfrm>
+          <a:prstGeom prst="rect">
+            <a:avLst/>
+          </a:prstGeom>
+          <a:noFill/>
+          <a:ln/>
+        </p:spPr>
+        <p:txBody>
+          <a:bodyPr wrap="square" lIns="0" tIns="0" rIns="0" bIns="0" rtlCol="0" anchor="t"/>
+          <a:lstStyle/>
+          <a:p>
+            <a:pPr marL="0" indent="0" algn="l">
+              <a:lnSpc>
+                <a:spcPts val="1260"/>
+              </a:lnSpc>
+              <a:spcBef>
+                <a:spcPts val="300"/>
+              </a:spcBef>
+              <a:spcAft>
+                <a:spcPts val="300"/>
+              </a:spcAft>
+              <a:buNone/>
+            </a:pPr>
+            <a:r>
+              <a:rPr lang="en-US" sz="900" b="1">
+                <a:solidFill>
+                  <a:srgbClr val="2C8741"/>
+                </a:solidFill>
+                <a:latin typeface="Arial" pitchFamily="34" charset="0"/>
+                <a:ea typeface="Arial" pitchFamily="34" charset="-122"/>
+                <a:cs typeface="Arial" pitchFamily="34" charset="-120"/>
+              </a:rPr>
+              <a:t>STEP 7-2</a:t>
+            </a:r>
+            <a:endParaRPr lang="en-US" sz="900"/>
+          </a:p>
+        </p:txBody>
+      </p:sp>
+      <p:sp>
+        <p:nvSpPr>
+          <p:cNvPr id="4" name="Text 2"/>
+          <p:cNvSpPr/>
+          <p:nvPr/>
+        </p:nvSpPr>
+        <p:spPr>
+          <a:xfrm>
+            <a:off x="381000" y="464790"/>
+            <a:ext cx="4284536" cy="304800"/>
+          </a:xfrm>
+          <a:prstGeom prst="rect">
+            <a:avLst/>
+          </a:prstGeom>
+          <a:noFill/>
+          <a:ln/>
+        </p:spPr>
+        <p:txBody>
+          <a:bodyPr wrap="square" lIns="0" tIns="0" rIns="0" bIns="0" rtlCol="0" anchor="t"/>
+          <a:lstStyle/>
+          <a:p>
+            <a:pPr marL="0" indent="0" algn="l">
+              <a:lnSpc>
+                <a:spcPts val="2400"/>
+              </a:lnSpc>
+              <a:buNone/>
+            </a:pPr>
+            <a:r>
+              <a:rPr lang="en-US" sz="2400" b="1">
+                <a:solidFill>
+                  <a:srgbClr val="1D1D1D"/>
+                </a:solidFill>
+                <a:latin typeface="Arial" pitchFamily="34" charset="0"/>
+                <a:ea typeface="Arial" pitchFamily="34" charset="-122"/>
+                <a:cs typeface="Arial" pitchFamily="34" charset="-120"/>
+              </a:rPr>
+              <a:t>セキュリティ設定（settings.js編集と再起動）</a:t>
+            </a:r>
+            <a:endParaRPr lang="en-US" sz="2400"/>
+          </a:p>
+        </p:txBody>
+      </p:sp>
+      <p:sp>
+        <p:nvSpPr>
+          <p:cNvPr id="5" name="Text 3"/>
+          <p:cNvSpPr/>
+          <p:nvPr/>
+        </p:nvSpPr>
+        <p:spPr>
+          <a:xfrm>
+            <a:off x="381000" y="1231702"/>
+            <a:ext cx="4457700" cy="609600"/>
+          </a:xfrm>
+          <a:prstGeom prst="roundRect">
+            <a:avLst>
+              <a:gd name="adj" fmla="val 12500"/>
+            </a:avLst>
+          </a:prstGeom>
+          <a:solidFill>
+            <a:srgbClr val="FAFAFA"/>
+          </a:solidFill>
+          <a:ln/>
+        </p:spPr>
+        <p:txBody>
+          <a:bodyPr wrap="square" rtlCol="0" anchor="ctr"/>
+          <a:lstStyle/>
+          <a:p>
+            <a:pPr marL="0" indent="0">
+              <a:buNone/>
+            </a:pPr>
+            <a:endParaRPr lang="en-US"/>
+          </a:p>
+        </p:txBody>
+      </p:sp>
+      <p:sp>
+        <p:nvSpPr>
+          <p:cNvPr id="6" name="Text 4"/>
+          <p:cNvSpPr/>
+          <p:nvPr/>
+        </p:nvSpPr>
+        <p:spPr>
+          <a:xfrm>
+            <a:off x="514350" y="1365052"/>
+            <a:ext cx="266700" cy="266700"/>
+          </a:xfrm>
+          <a:prstGeom prst="roundRect">
+            <a:avLst>
+              <a:gd name="adj" fmla="val 342857"/>
+            </a:avLst>
+          </a:prstGeom>
+          <a:solidFill>
+            <a:srgbClr val="2C8741"/>
+          </a:solidFill>
+          <a:ln/>
+        </p:spPr>
+        <p:txBody>
+          <a:bodyPr wrap="square" rtlCol="0" anchor="ctr"/>
+          <a:lstStyle/>
+          <a:p>
+            <a:pPr marL="0" indent="0">
+              <a:buNone/>
+            </a:pPr>
+            <a:endParaRPr lang="en-US"/>
+          </a:p>
+        </p:txBody>
+      </p:sp>
+      <p:sp>
+        <p:nvSpPr>
+          <p:cNvPr id="7" name="Text 5"/>
+          <p:cNvSpPr/>
+          <p:nvPr/>
+        </p:nvSpPr>
+        <p:spPr>
+          <a:xfrm>
+            <a:off x="594717" y="1365052"/>
+            <a:ext cx="108085" cy="266700"/>
+          </a:xfrm>
+          <a:prstGeom prst="rect">
+            <a:avLst/>
+          </a:prstGeom>
+          <a:noFill/>
+          <a:ln/>
+        </p:spPr>
+        <p:txBody>
+          <a:bodyPr wrap="square" lIns="0" tIns="0" rIns="0" bIns="0" rtlCol="0" anchor="t"/>
+          <a:lstStyle/>
+          <a:p>
+            <a:pPr marL="0" indent="0" algn="l">
+              <a:lnSpc>
+                <a:spcPts val="2100"/>
+              </a:lnSpc>
+              <a:spcBef>
+                <a:spcPts val="300"/>
+              </a:spcBef>
+              <a:spcAft>
+                <a:spcPts val="300"/>
+              </a:spcAft>
+              <a:buNone/>
+            </a:pPr>
+            <a:r>
+              <a:rPr lang="en-US" sz="1500">
+                <a:solidFill>
+                  <a:srgbClr val="FFFFFF"/>
+                </a:solidFill>
+                <a:latin typeface="Arial" pitchFamily="34" charset="0"/>
+                <a:ea typeface="Arial" pitchFamily="34" charset="-122"/>
+                <a:cs typeface="Arial" pitchFamily="34" charset="-120"/>
+              </a:rPr>
+              <a:t>1</a:t>
+            </a:r>
+            <a:endParaRPr lang="en-US" sz="1500"/>
+          </a:p>
+        </p:txBody>
+      </p:sp>
+      <p:sp>
+        <p:nvSpPr>
+          <p:cNvPr id="8" name="Text 6"/>
+          <p:cNvSpPr/>
+          <p:nvPr/>
+        </p:nvSpPr>
+        <p:spPr>
+          <a:xfrm>
+            <a:off x="857250" y="1405086"/>
+            <a:ext cx="2540000" cy="186630"/>
+          </a:xfrm>
+          <a:prstGeom prst="rect">
+            <a:avLst/>
+          </a:prstGeom>
+          <a:noFill/>
+          <a:ln/>
+        </p:spPr>
+        <p:txBody>
+          <a:bodyPr wrap="square" lIns="0" tIns="0" rIns="0" bIns="0" rtlCol="0" anchor="t"/>
+          <a:lstStyle/>
+          <a:p>
+            <a:pPr marL="0" indent="0" algn="l">
+              <a:lnSpc>
+                <a:spcPts val="1470"/>
+              </a:lnSpc>
+              <a:spcBef>
+                <a:spcPts val="300"/>
+              </a:spcBef>
+              <a:spcAft>
+                <a:spcPts val="300"/>
+              </a:spcAft>
+              <a:buNone/>
+            </a:pPr>
+            <a:r>
+              <a:rPr lang="en-US" sz="1050" b="1">
+                <a:solidFill>
+                  <a:srgbClr val="1D1D1D"/>
+                </a:solidFill>
+                <a:latin typeface="Arial" pitchFamily="34" charset="0"/>
+                <a:ea typeface="Arial" pitchFamily="34" charset="-122"/>
+                <a:cs typeface="Arial" pitchFamily="34" charset="-120"/>
+              </a:rPr>
+              <a:t>settings.jsを編集</a:t>
+            </a:r>
+            <a:endParaRPr lang="en-US" sz="1050"/>
+          </a:p>
+        </p:txBody>
+      </p:sp>
+      <p:sp>
+        <p:nvSpPr>
+          <p:cNvPr id="9" name="Text 7"/>
+          <p:cNvSpPr/>
+          <p:nvPr/>
+        </p:nvSpPr>
+        <p:spPr>
+          <a:xfrm>
+            <a:off x="396657" y="1993702"/>
+            <a:ext cx="4434215" cy="1278049"/>
+          </a:xfrm>
+          <a:prstGeom prst="roundRect">
+            <a:avLst>
+              <a:gd name="adj" fmla="val 6310"/>
+            </a:avLst>
+          </a:prstGeom>
+          <a:solidFill>
+            <a:srgbClr val="FAFAFA"/>
+          </a:solidFill>
+          <a:ln/>
+        </p:spPr>
+        <p:txBody>
+          <a:bodyPr wrap="square" rtlCol="0" anchor="ctr"/>
+          <a:lstStyle/>
+          <a:p>
+            <a:pPr marL="0" indent="0">
+              <a:buNone/>
+            </a:pPr>
+            <a:endParaRPr lang="en-US"/>
+          </a:p>
+        </p:txBody>
+      </p:sp>
+      <p:sp>
+        <p:nvSpPr>
+          <p:cNvPr id="10" name="Text 8"/>
+          <p:cNvSpPr/>
+          <p:nvPr/>
+        </p:nvSpPr>
+        <p:spPr>
+          <a:xfrm>
+            <a:off x="514350" y="2127052"/>
+            <a:ext cx="266700" cy="266700"/>
+          </a:xfrm>
+          <a:prstGeom prst="roundRect">
+            <a:avLst>
+              <a:gd name="adj" fmla="val 342857"/>
+            </a:avLst>
+          </a:prstGeom>
+          <a:solidFill>
+            <a:srgbClr val="2C8741"/>
+          </a:solidFill>
+          <a:ln/>
+        </p:spPr>
+        <p:txBody>
+          <a:bodyPr wrap="square" rtlCol="0" anchor="ctr"/>
+          <a:lstStyle/>
+          <a:p>
+            <a:pPr marL="0" indent="0">
+              <a:buNone/>
+            </a:pPr>
+            <a:endParaRPr lang="en-US"/>
+          </a:p>
+        </p:txBody>
+      </p:sp>
+      <p:sp>
+        <p:nvSpPr>
+          <p:cNvPr id="11" name="Text 9"/>
+          <p:cNvSpPr/>
+          <p:nvPr/>
+        </p:nvSpPr>
+        <p:spPr>
+          <a:xfrm>
+            <a:off x="594717" y="2127052"/>
+            <a:ext cx="108085" cy="266700"/>
+          </a:xfrm>
+          <a:prstGeom prst="rect">
+            <a:avLst/>
+          </a:prstGeom>
+          <a:noFill/>
+          <a:ln/>
+        </p:spPr>
+        <p:txBody>
+          <a:bodyPr wrap="square" lIns="0" tIns="0" rIns="0" bIns="0" rtlCol="0" anchor="t"/>
+          <a:lstStyle/>
+          <a:p>
+            <a:pPr marL="0" indent="0" algn="l">
+              <a:lnSpc>
+                <a:spcPts val="2100"/>
+              </a:lnSpc>
+              <a:spcBef>
+                <a:spcPts val="300"/>
+              </a:spcBef>
+              <a:spcAft>
+                <a:spcPts val="300"/>
+              </a:spcAft>
+              <a:buNone/>
+            </a:pPr>
+            <a:r>
+              <a:rPr lang="en-US" sz="1500">
+                <a:solidFill>
+                  <a:srgbClr val="FFFFFF"/>
+                </a:solidFill>
+                <a:latin typeface="Arial" pitchFamily="34" charset="0"/>
+                <a:ea typeface="Arial" pitchFamily="34" charset="-122"/>
+                <a:cs typeface="Arial" pitchFamily="34" charset="-120"/>
+              </a:rPr>
+              <a:t>2</a:t>
+            </a:r>
+            <a:endParaRPr lang="en-US" sz="1500"/>
+          </a:p>
+        </p:txBody>
+      </p:sp>
+      <p:sp>
+        <p:nvSpPr>
+          <p:cNvPr id="12" name="Text 10"/>
+          <p:cNvSpPr/>
+          <p:nvPr/>
+        </p:nvSpPr>
+        <p:spPr>
+          <a:xfrm>
+            <a:off x="857250" y="2127943"/>
+            <a:ext cx="3714462" cy="343204"/>
+          </a:xfrm>
+          <a:prstGeom prst="rect">
+            <a:avLst/>
+          </a:prstGeom>
+          <a:noFill/>
+          <a:ln/>
+        </p:spPr>
+        <p:txBody>
+          <a:bodyPr wrap="square" lIns="0" tIns="0" rIns="0" bIns="0" rtlCol="0" anchor="t"/>
+          <a:lstStyle/>
+          <a:p>
+            <a:pPr marL="0" indent="0" algn="l">
+              <a:lnSpc>
+                <a:spcPts val="1470"/>
+              </a:lnSpc>
+              <a:spcBef>
+                <a:spcPts val="300"/>
+              </a:spcBef>
+              <a:spcAft>
+                <a:spcPts val="300"/>
+              </a:spcAft>
+              <a:buNone/>
+            </a:pPr>
+            <a:r>
+              <a:rPr lang="en-US" sz="1050" b="1">
+                <a:solidFill>
+                  <a:srgbClr val="1D1D1D"/>
+                </a:solidFill>
+                <a:latin typeface="Arial"/>
+                <a:ea typeface="Arial" pitchFamily="34" charset="-122"/>
+                <a:cs typeface="Arial"/>
+              </a:rPr>
+              <a:t>adminAuth設定を編集（passwordにハッシュ値を設定）</a:t>
+            </a:r>
+            <a:endParaRPr lang="ja-JP" altLang="en-US" sz="1050" b="1">
+              <a:solidFill>
+                <a:srgbClr val="1D1D1D"/>
+              </a:solidFill>
+              <a:latin typeface="Arial"/>
+              <a:cs typeface="Arial"/>
+            </a:endParaRPr>
+          </a:p>
+        </p:txBody>
+      </p:sp>
+      <p:sp>
+        <p:nvSpPr>
+          <p:cNvPr id="13" name="Text 11"/>
+          <p:cNvSpPr/>
+          <p:nvPr/>
+        </p:nvSpPr>
+        <p:spPr>
+          <a:xfrm>
+            <a:off x="514350" y="2571726"/>
+            <a:ext cx="4191000" cy="597991"/>
+          </a:xfrm>
+          <a:prstGeom prst="roundRect">
+            <a:avLst>
+              <a:gd name="adj" fmla="val 6371"/>
+            </a:avLst>
+          </a:prstGeom>
+          <a:solidFill>
+            <a:srgbClr val="1D1D1D"/>
+          </a:solidFill>
+          <a:ln/>
+        </p:spPr>
+        <p:txBody>
+          <a:bodyPr wrap="square" rtlCol="0" anchor="ctr"/>
+          <a:lstStyle/>
+          <a:p>
+            <a:pPr marL="0" indent="0">
+              <a:buNone/>
+            </a:pPr>
+            <a:endParaRPr lang="en-US"/>
+          </a:p>
+        </p:txBody>
+      </p:sp>
+      <p:sp>
+        <p:nvSpPr>
+          <p:cNvPr id="14" name="Text 12"/>
+          <p:cNvSpPr/>
+          <p:nvPr/>
+        </p:nvSpPr>
+        <p:spPr>
+          <a:xfrm>
+            <a:off x="628650" y="2724126"/>
+            <a:ext cx="4041648" cy="293191"/>
+          </a:xfrm>
+          <a:prstGeom prst="rect">
+            <a:avLst/>
+          </a:prstGeom>
+          <a:noFill/>
+          <a:ln/>
+        </p:spPr>
+        <p:txBody>
+          <a:bodyPr wrap="square" lIns="0" tIns="0" rIns="0" bIns="0" rtlCol="0" anchor="t"/>
+          <a:lstStyle/>
+          <a:p>
+            <a:r>
+              <a:rPr lang="en-US" altLang="ja-JP" sz="1000" dirty="0">
+                <a:solidFill>
+                  <a:srgbClr val="00B050"/>
+                </a:solidFill>
+              </a:rPr>
+              <a:t>nano ~/.node-red/settings.js</a:t>
+            </a:r>
+          </a:p>
+        </p:txBody>
+      </p:sp>
+      <p:sp>
+        <p:nvSpPr>
+          <p:cNvPr id="15" name="Text 13"/>
+          <p:cNvSpPr/>
+          <p:nvPr/>
+        </p:nvSpPr>
+        <p:spPr>
+          <a:xfrm>
+            <a:off x="381000" y="3353693"/>
+            <a:ext cx="4457700" cy="876151"/>
+          </a:xfrm>
+          <a:prstGeom prst="roundRect">
+            <a:avLst>
+              <a:gd name="adj" fmla="val 8697"/>
+            </a:avLst>
+          </a:prstGeom>
+          <a:solidFill>
+            <a:srgbClr val="E8F5E9"/>
+          </a:solidFill>
+          <a:ln w="9525">
+            <a:solidFill>
+              <a:srgbClr val="A5D6A7"/>
+            </a:solidFill>
+          </a:ln>
+        </p:spPr>
+        <p:txBody>
+          <a:bodyPr wrap="square" rtlCol="0" anchor="ctr"/>
+          <a:lstStyle/>
+          <a:p>
+            <a:pPr marL="0" indent="0">
+              <a:buNone/>
+            </a:pPr>
+            <a:endParaRPr lang="en-US"/>
+          </a:p>
+        </p:txBody>
+      </p:sp>
+      <p:sp>
+        <p:nvSpPr>
+          <p:cNvPr id="16" name="Text 14"/>
+          <p:cNvSpPr/>
+          <p:nvPr/>
+        </p:nvSpPr>
+        <p:spPr>
+          <a:xfrm>
+            <a:off x="504825" y="3515618"/>
+            <a:ext cx="4294251" cy="159990"/>
+          </a:xfrm>
+          <a:prstGeom prst="rect">
+            <a:avLst/>
+          </a:prstGeom>
+          <a:noFill/>
+          <a:ln/>
+        </p:spPr>
+        <p:txBody>
+          <a:bodyPr wrap="square" lIns="0" tIns="0" rIns="0" bIns="0" rtlCol="0" anchor="t"/>
+          <a:lstStyle/>
+          <a:p>
+            <a:pPr marL="0" indent="0" algn="l">
+              <a:lnSpc>
+                <a:spcPts val="1260"/>
+              </a:lnSpc>
+              <a:spcBef>
+                <a:spcPts val="300"/>
+              </a:spcBef>
+              <a:spcAft>
+                <a:spcPts val="450"/>
+              </a:spcAft>
+              <a:buNone/>
+            </a:pPr>
+            <a:r>
+              <a:rPr lang="en-US" sz="900" b="1">
+                <a:solidFill>
+                  <a:srgbClr val="1B5E20"/>
+                </a:solidFill>
+                <a:latin typeface="Arial" pitchFamily="34" charset="0"/>
+                <a:ea typeface="Arial" pitchFamily="34" charset="-122"/>
+                <a:cs typeface="Arial" pitchFamily="34" charset="-120"/>
+              </a:rPr>
+              <a:t>📝 adminAuth設定例</a:t>
+            </a:r>
+            <a:endParaRPr lang="en-US" sz="900"/>
+          </a:p>
+        </p:txBody>
+      </p:sp>
+      <p:sp>
+        <p:nvSpPr>
+          <p:cNvPr id="17" name="Text 15"/>
+          <p:cNvSpPr/>
+          <p:nvPr/>
+        </p:nvSpPr>
+        <p:spPr>
+          <a:xfrm>
+            <a:off x="504825" y="3732758"/>
+            <a:ext cx="4294251" cy="335161"/>
+          </a:xfrm>
+          <a:prstGeom prst="rect">
+            <a:avLst/>
+          </a:prstGeom>
+          <a:noFill/>
+          <a:ln/>
+        </p:spPr>
+        <p:txBody>
+          <a:bodyPr wrap="square" lIns="0" tIns="0" rIns="0" bIns="0" rtlCol="0" anchor="t"/>
+          <a:lstStyle/>
+          <a:p>
+            <a:pPr marL="0" indent="0" algn="l">
+              <a:lnSpc>
+                <a:spcPts val="1320"/>
+              </a:lnSpc>
+              <a:spcBef>
+                <a:spcPts val="300"/>
+              </a:spcBef>
+              <a:spcAft>
+                <a:spcPts val="300"/>
+              </a:spcAft>
+              <a:buNone/>
+            </a:pPr>
+            <a:r>
+              <a:rPr lang="en-US" sz="825">
+                <a:solidFill>
+                  <a:srgbClr val="2E7D32"/>
+                </a:solidFill>
+                <a:latin typeface="Arial" pitchFamily="34" charset="0"/>
+                <a:ea typeface="Arial" pitchFamily="34" charset="-122"/>
+                <a:cs typeface="Arial" pitchFamily="34" charset="-120"/>
+              </a:rPr>
+              <a:t>adminAuth: {</a:t>
+            </a:r>
+            <a:endParaRPr lang="en-US" sz="825"/>
+          </a:p>
+          <a:p>
+            <a:pPr marL="0" indent="0" algn="l">
+              <a:lnSpc>
+                <a:spcPts val="1320"/>
+              </a:lnSpc>
+              <a:spcBef>
+                <a:spcPts val="300"/>
+              </a:spcBef>
+              <a:spcAft>
+                <a:spcPts val="300"/>
+              </a:spcAft>
+              <a:buNone/>
+            </a:pPr>
+            <a:r>
+              <a:rPr lang="en-US" sz="825">
+                <a:solidFill>
+                  <a:srgbClr val="2E7D32"/>
+                </a:solidFill>
+                <a:latin typeface="Arial" pitchFamily="34" charset="0"/>
+                <a:ea typeface="Arial" pitchFamily="34" charset="-122"/>
+                <a:cs typeface="Arial" pitchFamily="34" charset="-120"/>
+              </a:rPr>
+              <a:t xml:space="preserve">    users: [{ username: "admin",</a:t>
+            </a:r>
+            <a:endParaRPr lang="en-US" sz="825"/>
+          </a:p>
+          <a:p>
+            <a:pPr marL="0" indent="0" algn="l">
+              <a:lnSpc>
+                <a:spcPts val="1320"/>
+              </a:lnSpc>
+              <a:spcBef>
+                <a:spcPts val="300"/>
+              </a:spcBef>
+              <a:spcAft>
+                <a:spcPts val="300"/>
+              </a:spcAft>
+              <a:buNone/>
+            </a:pPr>
+            <a:r>
+              <a:rPr lang="en-US" sz="825">
+                <a:solidFill>
+                  <a:srgbClr val="2E7D32"/>
+                </a:solidFill>
+                <a:latin typeface="Arial" pitchFamily="34" charset="0"/>
+                <a:ea typeface="Arial" pitchFamily="34" charset="-122"/>
+                <a:cs typeface="Arial" pitchFamily="34" charset="-120"/>
+              </a:rPr>
+              <a:t xml:space="preserve">    password: "$2b$08$...", permissions: "*" }] },</a:t>
+            </a:r>
+            <a:endParaRPr lang="en-US" sz="825"/>
+          </a:p>
+        </p:txBody>
+      </p:sp>
+      <p:sp>
+        <p:nvSpPr>
+          <p:cNvPr id="18" name="Text 16"/>
+          <p:cNvSpPr/>
+          <p:nvPr/>
+        </p:nvSpPr>
+        <p:spPr>
+          <a:xfrm>
+            <a:off x="381000" y="4382244"/>
+            <a:ext cx="4457700" cy="413296"/>
+          </a:xfrm>
+          <a:prstGeom prst="roundRect">
+            <a:avLst>
+              <a:gd name="adj" fmla="val 18437"/>
+            </a:avLst>
+          </a:prstGeom>
+          <a:solidFill>
+            <a:srgbClr val="FFF8E1"/>
+          </a:solidFill>
+          <a:ln/>
+        </p:spPr>
+        <p:txBody>
+          <a:bodyPr wrap="square" rtlCol="0" anchor="ctr"/>
+          <a:lstStyle/>
+          <a:p>
+            <a:pPr marL="0" indent="0">
+              <a:buNone/>
+            </a:pPr>
+            <a:endParaRPr lang="en-US"/>
+          </a:p>
+        </p:txBody>
+      </p:sp>
+      <p:sp>
+        <p:nvSpPr>
+          <p:cNvPr id="19" name="Shape 17"/>
+          <p:cNvSpPr/>
+          <p:nvPr/>
+        </p:nvSpPr>
+        <p:spPr>
+          <a:xfrm>
+            <a:off x="400050" y="4382244"/>
+            <a:ext cx="0" cy="413296"/>
+          </a:xfrm>
+          <a:prstGeom prst="line">
+            <a:avLst/>
+          </a:prstGeom>
+          <a:noFill/>
+          <a:ln w="38100">
+            <a:solidFill>
+              <a:srgbClr val="FFA000"/>
+            </a:solidFill>
+            <a:prstDash val="solid"/>
+          </a:ln>
+        </p:spPr>
+        <p:txBody>
+          <a:bodyPr/>
+          <a:lstStyle/>
+          <a:p>
+            <a:endParaRPr lang="ja-JP" altLang="en-US"/>
+          </a:p>
+        </p:txBody>
+      </p:sp>
+      <p:sp>
+        <p:nvSpPr>
+          <p:cNvPr id="20" name="Text 18"/>
+          <p:cNvSpPr/>
+          <p:nvPr/>
+        </p:nvSpPr>
+        <p:spPr>
+          <a:xfrm>
+            <a:off x="514350" y="4515594"/>
+            <a:ext cx="4313682" cy="146596"/>
+          </a:xfrm>
+          <a:prstGeom prst="rect">
+            <a:avLst/>
+          </a:prstGeom>
+          <a:noFill/>
+          <a:ln/>
+        </p:spPr>
+        <p:txBody>
+          <a:bodyPr wrap="square" lIns="0" tIns="0" rIns="0" bIns="0" rtlCol="0" anchor="t"/>
+          <a:lstStyle/>
+          <a:p>
+            <a:pPr marL="0" indent="0" algn="l">
+              <a:lnSpc>
+                <a:spcPts val="1155"/>
+              </a:lnSpc>
+              <a:spcBef>
+                <a:spcPts val="300"/>
+              </a:spcBef>
+              <a:spcAft>
+                <a:spcPts val="300"/>
+              </a:spcAft>
+              <a:buNone/>
+            </a:pPr>
+            <a:r>
+              <a:rPr lang="en-US" sz="825" b="1">
+                <a:solidFill>
+                  <a:srgbClr val="E65100"/>
+                </a:solidFill>
+                <a:latin typeface="Arial" pitchFamily="34" charset="0"/>
+                <a:ea typeface="Arial" pitchFamily="34" charset="-122"/>
+                <a:cs typeface="Arial" pitchFamily="34" charset="-120"/>
+              </a:rPr>
+              <a:t>🔄 再起動: sudo systemctl restart nodered.service</a:t>
+            </a:r>
+            <a:endParaRPr lang="en-US" sz="825"/>
+          </a:p>
+        </p:txBody>
+      </p:sp>
+      <p:sp>
+        <p:nvSpPr>
+          <p:cNvPr id="24" name="Text 22"/>
+          <p:cNvSpPr/>
+          <p:nvPr/>
+        </p:nvSpPr>
+        <p:spPr>
+          <a:xfrm>
+            <a:off x="8534400" y="4781550"/>
+            <a:ext cx="381000" cy="133350"/>
+          </a:xfrm>
+          <a:prstGeom prst="rect">
+            <a:avLst/>
+          </a:prstGeom>
+          <a:noFill/>
+          <a:ln/>
+        </p:spPr>
+        <p:txBody>
+          <a:bodyPr wrap="square" lIns="0" tIns="0" rIns="0" bIns="0" rtlCol="0" anchor="t"/>
+          <a:lstStyle/>
+          <a:p>
+            <a:pPr marL="0" indent="0" algn="l">
+              <a:lnSpc>
+                <a:spcPts val="1050"/>
+              </a:lnSpc>
+              <a:spcBef>
+                <a:spcPts val="300"/>
+              </a:spcBef>
+              <a:spcAft>
+                <a:spcPts val="300"/>
+              </a:spcAft>
+              <a:buNone/>
+            </a:pPr>
+            <a:r>
+              <a:rPr lang="en-US" sz="750">
+                <a:solidFill>
+                  <a:srgbClr val="A3A3A3"/>
+                </a:solidFill>
+                <a:latin typeface="Arial"/>
+                <a:ea typeface="Arial" pitchFamily="34" charset="-122"/>
+                <a:cs typeface="Arial"/>
+              </a:rPr>
+              <a:t>22 / 22</a:t>
+            </a:r>
+            <a:endParaRPr lang="en-US" sz="750">
+              <a:solidFill>
+                <a:srgbClr val="A3A3A3"/>
+              </a:solidFill>
+              <a:latin typeface="Arial"/>
+              <a:cs typeface="Arial"/>
+            </a:endParaRPr>
+          </a:p>
+        </p:txBody>
+      </p:sp>
+    </p:spTree>
+    <p:extLst>
+      <p:ext uri="{BB962C8B-B14F-4D97-AF65-F5344CB8AC3E}">
+        <p14:creationId xmlns:p14="http://schemas.microsoft.com/office/powerpoint/2010/main" val="3781505547"/>
       </p:ext>
     </p:extLst>
   </p:cSld>
@@ -17221,7 +18963,7 @@
                 <a:ea typeface="Arial" pitchFamily="34" charset="-122"/>
                 <a:cs typeface="Arial"/>
               </a:rPr>
-              <a:t>3 / 20</a:t>
+              <a:t>3 / 22</a:t>
             </a:r>
             <a:endParaRPr lang="en-US" sz="750">
               <a:solidFill>
@@ -17235,7 +18977,7 @@
       </p:sp>
       <p:pic>
         <p:nvPicPr>
-          <p:cNvPr id="38" name="図 37" descr="グラフィカル ユーザー インターフェイス, アプリケーション, Web サイト&#10;&#10;AI 生成コンテンツは誤りを含む可能性があります。">
+          <p:cNvPr id="38" name="図 37" descr="グラフィカル ユーザー インターフェイス, アプリケーション, Web サイト  AI 生成コンテンツは誤りを含む可能性があります。">
             <a:extLst>
               <a:ext uri="{FF2B5EF4-FFF2-40B4-BE49-F238E27FC236}">
                 <a16:creationId xmlns:a16="http://schemas.microsoft.com/office/drawing/2014/main" id="{818DE34F-0A86-B2BC-21E5-0149EF483554}"/>
@@ -18077,7 +19819,7 @@
                 <a:ea typeface="Arial" pitchFamily="34" charset="-122"/>
                 <a:cs typeface="Arial" pitchFamily="34" charset="-120"/>
               </a:rPr>
-              <a:t> Raspberry Pi OS (64-bit)</a:t>
+              <a:t xml:space="preserve"> Raspberry Pi OS (64-bit)</a:t>
             </a:r>
             <a:endParaRPr lang="en-US" sz="825"/>
           </a:p>
@@ -18173,7 +19915,7 @@
                 <a:ea typeface="Arial" pitchFamily="34" charset="-122"/>
                 <a:cs typeface="Arial"/>
               </a:rPr>
-              <a:t>4 / 20</a:t>
+              <a:t>4 / 22</a:t>
             </a:r>
             <a:endParaRPr lang="en-US" sz="750">
               <a:solidFill>
@@ -18187,7 +19929,7 @@
       </p:sp>
       <p:pic>
         <p:nvPicPr>
-          <p:cNvPr id="32" name="図 31" descr="グラフィカル ユーザー インターフェイス, テキスト, アプリケーション&#10;&#10;AI 生成コンテンツは誤りを含む可能性があります。">
+          <p:cNvPr id="32" name="図 31" descr="グラフィカル ユーザー インターフェイス, テキスト, アプリケーション  AI 生成コンテンツは誤りを含む可能性があります。">
             <a:extLst>
               <a:ext uri="{FF2B5EF4-FFF2-40B4-BE49-F238E27FC236}">
                 <a16:creationId xmlns:a16="http://schemas.microsoft.com/office/drawing/2014/main" id="{3C2A554F-1931-EF86-B5E1-DA90B1DB761A}"/>
@@ -19026,7 +20768,7 @@
                 <a:ea typeface="Arial" pitchFamily="34" charset="-122"/>
                 <a:cs typeface="Arial" pitchFamily="34" charset="-120"/>
               </a:rPr>
-              <a:t>: </a:t>
+              <a:t xml:space="preserve">: </a:t>
             </a:r>
             <a:r>
               <a:rPr lang="en-US" sz="1350" dirty="0" err="1">
@@ -19170,7 +20912,7 @@
                 <a:ea typeface="Arial" pitchFamily="34" charset="-122"/>
                 <a:cs typeface="Arial"/>
               </a:rPr>
-              <a:t>5 / 20</a:t>
+              <a:t>5 / 22</a:t>
             </a:r>
             <a:endParaRPr lang="en-US" sz="750">
               <a:solidFill>
@@ -19184,7 +20926,7 @@
       </p:sp>
       <p:pic>
         <p:nvPicPr>
-          <p:cNvPr id="26" name="図 25" descr="グラフィカル ユーザー インターフェイス, テキスト, アプリケーション&#10;&#10;AI 生成コンテンツは誤りを含む可能性があります。">
+          <p:cNvPr id="26" name="図 25" descr="グラフィカル ユーザー インターフェイス, テキスト, アプリケーション  AI 生成コンテンツは誤りを含む可能性があります。">
             <a:extLst>
               <a:ext uri="{FF2B5EF4-FFF2-40B4-BE49-F238E27FC236}">
                 <a16:creationId xmlns:a16="http://schemas.microsoft.com/office/drawing/2014/main" id="{D053BBA1-849F-6436-6D36-B73AF9269B2F}"/>
@@ -19573,7 +21315,7 @@
                 <a:ea typeface="Arial" pitchFamily="34" charset="-122"/>
                 <a:cs typeface="Arial"/>
               </a:rPr>
-              <a:t>Raspberry Pi </a:t>
+              <a:t xml:space="preserve">Raspberry Pi </a:t>
             </a:r>
             <a:r>
               <a:rPr lang="ja-JP" altLang="en-US" sz="1050" b="1">
@@ -19693,7 +21435,7 @@
                 <a:ea typeface="Arial" pitchFamily="34" charset="-122"/>
                 <a:cs typeface="Arial"/>
               </a:rPr>
-              <a:t>6 / 20</a:t>
+              <a:t>6 / 22</a:t>
             </a:r>
             <a:endParaRPr lang="en-US" sz="750">
               <a:solidFill>
@@ -19857,7 +21599,7 @@
                 <a:ea typeface="Arial" pitchFamily="34" charset="-122"/>
                 <a:cs typeface="Arial"/>
               </a:rPr>
-              <a:t>⚠️ </a:t>
+              <a:t xml:space="preserve">⚠️ </a:t>
             </a:r>
             <a:r>
               <a:rPr lang="ja-JP" altLang="en-US" sz="750">
@@ -20704,7 +22446,7 @@
                 <a:ea typeface="Arial" pitchFamily="34" charset="-122"/>
                 <a:cs typeface="Arial"/>
               </a:rPr>
-              <a:t>7 / 20</a:t>
+              <a:t>7 / 22</a:t>
             </a:r>
             <a:endParaRPr lang="en-US" sz="750">
               <a:solidFill>
@@ -21550,7 +23292,7 @@
                 <a:ea typeface="Arial" pitchFamily="34" charset="-122"/>
                 <a:cs typeface="Arial"/>
               </a:rPr>
-              <a:t>8 / 20</a:t>
+              <a:t>8 / 22</a:t>
             </a:r>
             <a:endParaRPr lang="en-US" sz="750">
               <a:solidFill>
@@ -22237,7 +23979,7 @@
                 <a:ea typeface="Arial" pitchFamily="34" charset="-122"/>
                 <a:cs typeface="Arial"/>
               </a:rPr>
-              <a:t>9 / 20</a:t>
+              <a:t>9 / 22</a:t>
             </a:r>
             <a:endParaRPr lang="en-US" sz="750">
               <a:solidFill>

--- a/reference/Raspiセットアップガイド.pptx
+++ b/reference/Raspiセットアップガイド.pptx
@@ -5,7 +5,7 @@
     <p:sldMasterId id="2147483648" r:id="rId4"/>
   </p:sldMasterIdLst>
   <p:notesMasterIdLst>
-    <p:notesMasterId r:id="rId25"/>
+    <p:notesMasterId r:id="rId27"/>
   </p:notesMasterIdLst>
   <p:sldIdLst>
     <p:sldId id="306" r:id="rId5"/>
@@ -17,19 +17,19 @@
     <p:sldId id="272" r:id="rId11"/>
     <p:sldId id="273" r:id="rId12"/>
     <p:sldId id="274" r:id="rId13"/>
-    <p:sldId id="321" r:id="rId14"/>
+    <p:sldId id="329" r:id="rId14"/>
     <p:sldId id="278" r:id="rId15"/>
     <p:sldId id="277" r:id="rId16"/>
     <p:sldId id="262" r:id="rId17"/>
     <p:sldId id="265" r:id="rId18"/>
-    <p:sldId id="283" r:id="rId19"/>
+    <p:sldId id="328" r:id="rId19"/>
     <p:sldId id="312" r:id="rId20"/>
     <p:sldId id="314" r:id="rId21"/>
     <p:sldId id="297" r:id="rId22"/>
     <p:sldId id="322" r:id="rId23"/>
     <p:sldId id="318" r:id="rId24"/>
-    <p:sldId id="324" r:id="rId32"/>
-    <p:sldId id="325" r:id="rId33"/>
+    <p:sldId id="324" r:id="rId25"/>
+    <p:sldId id="325" r:id="rId26"/>
   </p:sldIdLst>
   <p:sldSz cx="9144000" cy="5143500" type="screen16x9"/>
   <p:notesSz cx="5143500" cy="9144000"/>
@@ -233,114 +233,6 @@
             <ac:picMk id="23" creationId="{54212725-DCE1-F196-F0A4-38DEB2A6E0D9}"/>
           </ac:picMkLst>
         </pc:picChg>
-      </pc:sldChg>
-    </pc:docChg>
-  </pc:docChgLst>
-  <pc:docChgLst>
-    <pc:chgData name="Go Muto" userId="S::go_muto@gmsbiz.net::0ea32aeb-8bc2-4177-b806-bfac87ba8199" providerId="AD" clId="Web-{ACDB0AD3-46F1-9660-0308-F442A077C455}"/>
-    <pc:docChg chg="addSld delSld modSld sldOrd">
-      <pc:chgData name="Go Muto" userId="S::go_muto@gmsbiz.net::0ea32aeb-8bc2-4177-b806-bfac87ba8199" providerId="AD" clId="Web-{ACDB0AD3-46F1-9660-0308-F442A077C455}" dt="2026-02-11T05:37:53.093" v="12"/>
-      <pc:docMkLst>
-        <pc:docMk/>
-      </pc:docMkLst>
-      <pc:sldChg chg="addSp modSp add del">
-        <pc:chgData name="Go Muto" userId="S::go_muto@gmsbiz.net::0ea32aeb-8bc2-4177-b806-bfac87ba8199" providerId="AD" clId="Web-{ACDB0AD3-46F1-9660-0308-F442A077C455}" dt="2026-02-11T05:37:53.093" v="12"/>
-        <pc:sldMkLst>
-          <pc:docMk/>
-          <pc:sldMk cId="0" sldId="262"/>
-        </pc:sldMkLst>
-        <pc:picChg chg="add mod">
-          <ac:chgData name="Go Muto" userId="S::go_muto@gmsbiz.net::0ea32aeb-8bc2-4177-b806-bfac87ba8199" providerId="AD" clId="Web-{ACDB0AD3-46F1-9660-0308-F442A077C455}" dt="2026-02-11T05:37:10.717" v="7" actId="14100"/>
-          <ac:picMkLst>
-            <pc:docMk/>
-            <pc:sldMk cId="0" sldId="262"/>
-            <ac:picMk id="23" creationId="{0A7FAD56-A7AC-4108-9E57-CF57B911F08B}"/>
-          </ac:picMkLst>
-        </pc:picChg>
-      </pc:sldChg>
-      <pc:sldChg chg="add del">
-        <pc:chgData name="Go Muto" userId="S::go_muto@gmsbiz.net::0ea32aeb-8bc2-4177-b806-bfac87ba8199" providerId="AD" clId="Web-{ACDB0AD3-46F1-9660-0308-F442A077C455}" dt="2026-02-11T05:37:51.374" v="11"/>
-        <pc:sldMkLst>
-          <pc:docMk/>
-          <pc:sldMk cId="0" sldId="265"/>
-        </pc:sldMkLst>
-      </pc:sldChg>
-      <pc:sldChg chg="delSp add ord replId">
-        <pc:chgData name="Go Muto" userId="S::go_muto@gmsbiz.net::0ea32aeb-8bc2-4177-b806-bfac87ba8199" providerId="AD" clId="Web-{ACDB0AD3-46F1-9660-0308-F442A077C455}" dt="2026-02-11T05:24:34.186" v="4"/>
-        <pc:sldMkLst>
-          <pc:docMk/>
-          <pc:sldMk cId="2025493674" sldId="271"/>
-        </pc:sldMkLst>
-      </pc:sldChg>
-    </pc:docChg>
-  </pc:docChgLst>
-  <pc:docChgLst>
-    <pc:chgData name="Go Muto" userId="S::go_muto@gmsbiz.net::0ea32aeb-8bc2-4177-b806-bfac87ba8199" providerId="AD" clId="Web-{E2776F8D-D6C6-1B4B-16F8-95A28AB1FE6E}"/>
-    <pc:docChg chg="addSld modSld">
-      <pc:chgData name="Go Muto" userId="S::go_muto@gmsbiz.net::0ea32aeb-8bc2-4177-b806-bfac87ba8199" providerId="AD" clId="Web-{E2776F8D-D6C6-1B4B-16F8-95A28AB1FE6E}" dt="2026-02-12T01:03:05.837" v="50" actId="1076"/>
-      <pc:docMkLst>
-        <pc:docMk/>
-      </pc:docMkLst>
-      <pc:sldChg chg="modSp">
-        <pc:chgData name="Go Muto" userId="S::go_muto@gmsbiz.net::0ea32aeb-8bc2-4177-b806-bfac87ba8199" providerId="AD" clId="Web-{E2776F8D-D6C6-1B4B-16F8-95A28AB1FE6E}" dt="2026-02-12T01:00:44.904" v="9" actId="20577"/>
-        <pc:sldMkLst>
-          <pc:docMk/>
-          <pc:sldMk cId="0" sldId="262"/>
-        </pc:sldMkLst>
-        <pc:spChg chg="mod">
-          <ac:chgData name="Go Muto" userId="S::go_muto@gmsbiz.net::0ea32aeb-8bc2-4177-b806-bfac87ba8199" providerId="AD" clId="Web-{E2776F8D-D6C6-1B4B-16F8-95A28AB1FE6E}" dt="2026-02-12T01:00:44.904" v="9" actId="20577"/>
-          <ac:spMkLst>
-            <pc:docMk/>
-            <pc:sldMk cId="0" sldId="262"/>
-            <ac:spMk id="3" creationId="{00000000-0000-0000-0000-000000000000}"/>
-          </ac:spMkLst>
-        </pc:spChg>
-      </pc:sldChg>
-      <pc:sldChg chg="modSp">
-        <pc:chgData name="Go Muto" userId="S::go_muto@gmsbiz.net::0ea32aeb-8bc2-4177-b806-bfac87ba8199" providerId="AD" clId="Web-{E2776F8D-D6C6-1B4B-16F8-95A28AB1FE6E}" dt="2026-02-12T01:00:42.294" v="7" actId="20577"/>
-        <pc:sldMkLst>
-          <pc:docMk/>
-          <pc:sldMk cId="3618399124" sldId="277"/>
-        </pc:sldMkLst>
-        <pc:spChg chg="mod">
-          <ac:chgData name="Go Muto" userId="S::go_muto@gmsbiz.net::0ea32aeb-8bc2-4177-b806-bfac87ba8199" providerId="AD" clId="Web-{E2776F8D-D6C6-1B4B-16F8-95A28AB1FE6E}" dt="2026-02-12T01:00:42.294" v="7" actId="20577"/>
-          <ac:spMkLst>
-            <pc:docMk/>
-            <pc:sldMk cId="3618399124" sldId="277"/>
-            <ac:spMk id="3" creationId="{20BFD28A-6584-AA06-7BBE-DA037E389CC5}"/>
-          </ac:spMkLst>
-        </pc:spChg>
-      </pc:sldChg>
-      <pc:sldChg chg="modSp add replId">
-        <pc:chgData name="Go Muto" userId="S::go_muto@gmsbiz.net::0ea32aeb-8bc2-4177-b806-bfac87ba8199" providerId="AD" clId="Web-{E2776F8D-D6C6-1B4B-16F8-95A28AB1FE6E}" dt="2026-02-12T01:01:46.206" v="21" actId="20577"/>
-        <pc:sldMkLst>
-          <pc:docMk/>
-          <pc:sldMk cId="2653292976" sldId="278"/>
-        </pc:sldMkLst>
-        <pc:spChg chg="mod">
-          <ac:chgData name="Go Muto" userId="S::go_muto@gmsbiz.net::0ea32aeb-8bc2-4177-b806-bfac87ba8199" providerId="AD" clId="Web-{E2776F8D-D6C6-1B4B-16F8-95A28AB1FE6E}" dt="2026-02-12T01:00:37.981" v="5" actId="20577"/>
-          <ac:spMkLst>
-            <pc:docMk/>
-            <pc:sldMk cId="2653292976" sldId="278"/>
-            <ac:spMk id="3" creationId="{B4D2C661-FE61-7375-A24B-73C5B04570BE}"/>
-          </ac:spMkLst>
-        </pc:spChg>
-        <pc:spChg chg="mod">
-          <ac:chgData name="Go Muto" userId="S::go_muto@gmsbiz.net::0ea32aeb-8bc2-4177-b806-bfac87ba8199" providerId="AD" clId="Web-{E2776F8D-D6C6-1B4B-16F8-95A28AB1FE6E}" dt="2026-02-12T01:01:25.080" v="19" actId="20577"/>
-          <ac:spMkLst>
-            <pc:docMk/>
-            <pc:sldMk cId="2653292976" sldId="278"/>
-            <ac:spMk id="4" creationId="{88A5B7E6-A500-B090-D068-BEC4A1B50D11}"/>
-          </ac:spMkLst>
-        </pc:spChg>
-        <pc:spChg chg="mod">
-          <ac:chgData name="Go Muto" userId="S::go_muto@gmsbiz.net::0ea32aeb-8bc2-4177-b806-bfac87ba8199" providerId="AD" clId="Web-{E2776F8D-D6C6-1B4B-16F8-95A28AB1FE6E}" dt="2026-02-12T01:01:46.206" v="21" actId="20577"/>
-          <ac:spMkLst>
-            <pc:docMk/>
-            <pc:sldMk cId="2653292976" sldId="278"/>
-            <ac:spMk id="25" creationId="{283D74A9-1DE6-F06F-7C6E-189A4058E619}"/>
-          </ac:spMkLst>
-        </pc:spChg>
       </pc:sldChg>
     </pc:docChg>
   </pc:docChgLst>
@@ -868,12 +760,111 @@
     </pc:docChg>
   </pc:docChgLst>
   <pc:docChgLst>
-    <pc:chgData name="Go Muto" userId="S::go_muto@gmsbiz.net::0ea32aeb-8bc2-4177-b806-bfac87ba8199" providerId="AD" clId="Web-{E1B98E4B-AE9E-2B87-8E53-881D23407F18}"/>
-    <pc:docChg chg="addSld delSld modSld">
-      <pc:chgData name="Go Muto" userId="S::go_muto@gmsbiz.net::0ea32aeb-8bc2-4177-b806-bfac87ba8199" providerId="AD" clId="Web-{E1B98E4B-AE9E-2B87-8E53-881D23407F18}" dt="2026-02-06T09:02:20.319" v="44" actId="1076"/>
+    <pc:chgData name="Go Muto" userId="S::go_muto@gmsbiz.net::0ea32aeb-8bc2-4177-b806-bfac87ba8199" providerId="AD" clId="Web-{ACDB0AD3-46F1-9660-0308-F442A077C455}"/>
+    <pc:docChg chg="addSld delSld modSld sldOrd">
+      <pc:chgData name="Go Muto" userId="S::go_muto@gmsbiz.net::0ea32aeb-8bc2-4177-b806-bfac87ba8199" providerId="AD" clId="Web-{ACDB0AD3-46F1-9660-0308-F442A077C455}" dt="2026-02-11T05:37:53.093" v="12"/>
       <pc:docMkLst>
         <pc:docMk/>
       </pc:docMkLst>
+      <pc:sldChg chg="addSp modSp add del">
+        <pc:chgData name="Go Muto" userId="S::go_muto@gmsbiz.net::0ea32aeb-8bc2-4177-b806-bfac87ba8199" providerId="AD" clId="Web-{ACDB0AD3-46F1-9660-0308-F442A077C455}" dt="2026-02-11T05:37:53.093" v="12"/>
+        <pc:sldMkLst>
+          <pc:docMk/>
+          <pc:sldMk cId="0" sldId="262"/>
+        </pc:sldMkLst>
+        <pc:picChg chg="add mod">
+          <ac:chgData name="Go Muto" userId="S::go_muto@gmsbiz.net::0ea32aeb-8bc2-4177-b806-bfac87ba8199" providerId="AD" clId="Web-{ACDB0AD3-46F1-9660-0308-F442A077C455}" dt="2026-02-11T05:37:10.717" v="7" actId="14100"/>
+          <ac:picMkLst>
+            <pc:docMk/>
+            <pc:sldMk cId="0" sldId="262"/>
+            <ac:picMk id="23" creationId="{0A7FAD56-A7AC-4108-9E57-CF57B911F08B}"/>
+          </ac:picMkLst>
+        </pc:picChg>
+      </pc:sldChg>
+      <pc:sldChg chg="add del">
+        <pc:chgData name="Go Muto" userId="S::go_muto@gmsbiz.net::0ea32aeb-8bc2-4177-b806-bfac87ba8199" providerId="AD" clId="Web-{ACDB0AD3-46F1-9660-0308-F442A077C455}" dt="2026-02-11T05:37:51.374" v="11"/>
+        <pc:sldMkLst>
+          <pc:docMk/>
+          <pc:sldMk cId="0" sldId="265"/>
+        </pc:sldMkLst>
+      </pc:sldChg>
+      <pc:sldChg chg="delSp add ord replId">
+        <pc:chgData name="Go Muto" userId="S::go_muto@gmsbiz.net::0ea32aeb-8bc2-4177-b806-bfac87ba8199" providerId="AD" clId="Web-{ACDB0AD3-46F1-9660-0308-F442A077C455}" dt="2026-02-11T05:24:34.186" v="4"/>
+        <pc:sldMkLst>
+          <pc:docMk/>
+          <pc:sldMk cId="2025493674" sldId="271"/>
+        </pc:sldMkLst>
+      </pc:sldChg>
+    </pc:docChg>
+  </pc:docChgLst>
+  <pc:docChgLst>
+    <pc:chgData name="Go Muto" userId="S::go_muto@gmsbiz.net::0ea32aeb-8bc2-4177-b806-bfac87ba8199" providerId="AD" clId="Web-{E2776F8D-D6C6-1B4B-16F8-95A28AB1FE6E}"/>
+    <pc:docChg chg="addSld modSld">
+      <pc:chgData name="Go Muto" userId="S::go_muto@gmsbiz.net::0ea32aeb-8bc2-4177-b806-bfac87ba8199" providerId="AD" clId="Web-{E2776F8D-D6C6-1B4B-16F8-95A28AB1FE6E}" dt="2026-02-12T01:03:05.837" v="50" actId="1076"/>
+      <pc:docMkLst>
+        <pc:docMk/>
+      </pc:docMkLst>
+      <pc:sldChg chg="modSp">
+        <pc:chgData name="Go Muto" userId="S::go_muto@gmsbiz.net::0ea32aeb-8bc2-4177-b806-bfac87ba8199" providerId="AD" clId="Web-{E2776F8D-D6C6-1B4B-16F8-95A28AB1FE6E}" dt="2026-02-12T01:00:44.904" v="9" actId="20577"/>
+        <pc:sldMkLst>
+          <pc:docMk/>
+          <pc:sldMk cId="0" sldId="262"/>
+        </pc:sldMkLst>
+        <pc:spChg chg="mod">
+          <ac:chgData name="Go Muto" userId="S::go_muto@gmsbiz.net::0ea32aeb-8bc2-4177-b806-bfac87ba8199" providerId="AD" clId="Web-{E2776F8D-D6C6-1B4B-16F8-95A28AB1FE6E}" dt="2026-02-12T01:00:44.904" v="9" actId="20577"/>
+          <ac:spMkLst>
+            <pc:docMk/>
+            <pc:sldMk cId="0" sldId="262"/>
+            <ac:spMk id="3" creationId="{00000000-0000-0000-0000-000000000000}"/>
+          </ac:spMkLst>
+        </pc:spChg>
+      </pc:sldChg>
+      <pc:sldChg chg="modSp">
+        <pc:chgData name="Go Muto" userId="S::go_muto@gmsbiz.net::0ea32aeb-8bc2-4177-b806-bfac87ba8199" providerId="AD" clId="Web-{E2776F8D-D6C6-1B4B-16F8-95A28AB1FE6E}" dt="2026-02-12T01:00:42.294" v="7" actId="20577"/>
+        <pc:sldMkLst>
+          <pc:docMk/>
+          <pc:sldMk cId="3618399124" sldId="277"/>
+        </pc:sldMkLst>
+        <pc:spChg chg="mod">
+          <ac:chgData name="Go Muto" userId="S::go_muto@gmsbiz.net::0ea32aeb-8bc2-4177-b806-bfac87ba8199" providerId="AD" clId="Web-{E2776F8D-D6C6-1B4B-16F8-95A28AB1FE6E}" dt="2026-02-12T01:00:42.294" v="7" actId="20577"/>
+          <ac:spMkLst>
+            <pc:docMk/>
+            <pc:sldMk cId="3618399124" sldId="277"/>
+            <ac:spMk id="3" creationId="{20BFD28A-6584-AA06-7BBE-DA037E389CC5}"/>
+          </ac:spMkLst>
+        </pc:spChg>
+      </pc:sldChg>
+      <pc:sldChg chg="modSp add replId">
+        <pc:chgData name="Go Muto" userId="S::go_muto@gmsbiz.net::0ea32aeb-8bc2-4177-b806-bfac87ba8199" providerId="AD" clId="Web-{E2776F8D-D6C6-1B4B-16F8-95A28AB1FE6E}" dt="2026-02-12T01:01:46.206" v="21" actId="20577"/>
+        <pc:sldMkLst>
+          <pc:docMk/>
+          <pc:sldMk cId="2653292976" sldId="278"/>
+        </pc:sldMkLst>
+        <pc:spChg chg="mod">
+          <ac:chgData name="Go Muto" userId="S::go_muto@gmsbiz.net::0ea32aeb-8bc2-4177-b806-bfac87ba8199" providerId="AD" clId="Web-{E2776F8D-D6C6-1B4B-16F8-95A28AB1FE6E}" dt="2026-02-12T01:00:37.981" v="5" actId="20577"/>
+          <ac:spMkLst>
+            <pc:docMk/>
+            <pc:sldMk cId="2653292976" sldId="278"/>
+            <ac:spMk id="3" creationId="{B4D2C661-FE61-7375-A24B-73C5B04570BE}"/>
+          </ac:spMkLst>
+        </pc:spChg>
+        <pc:spChg chg="mod">
+          <ac:chgData name="Go Muto" userId="S::go_muto@gmsbiz.net::0ea32aeb-8bc2-4177-b806-bfac87ba8199" providerId="AD" clId="Web-{E2776F8D-D6C6-1B4B-16F8-95A28AB1FE6E}" dt="2026-02-12T01:01:25.080" v="19" actId="20577"/>
+          <ac:spMkLst>
+            <pc:docMk/>
+            <pc:sldMk cId="2653292976" sldId="278"/>
+            <ac:spMk id="4" creationId="{88A5B7E6-A500-B090-D068-BEC4A1B50D11}"/>
+          </ac:spMkLst>
+        </pc:spChg>
+        <pc:spChg chg="mod">
+          <ac:chgData name="Go Muto" userId="S::go_muto@gmsbiz.net::0ea32aeb-8bc2-4177-b806-bfac87ba8199" providerId="AD" clId="Web-{E2776F8D-D6C6-1B4B-16F8-95A28AB1FE6E}" dt="2026-02-12T01:01:46.206" v="21" actId="20577"/>
+          <ac:spMkLst>
+            <pc:docMk/>
+            <pc:sldMk cId="2653292976" sldId="278"/>
+            <ac:spMk id="25" creationId="{283D74A9-1DE6-F06F-7C6E-189A4058E619}"/>
+          </ac:spMkLst>
+        </pc:spChg>
+      </pc:sldChg>
     </pc:docChg>
   </pc:docChgLst>
   <pc:docChgLst>
@@ -1554,6 +1545,15 @@
       </pc:sldChg>
     </pc:docChg>
   </pc:docChgLst>
+  <pc:docChgLst>
+    <pc:chgData name="Go Muto" userId="S::go_muto@gmsbiz.net::0ea32aeb-8bc2-4177-b806-bfac87ba8199" providerId="AD" clId="Web-{E1B98E4B-AE9E-2B87-8E53-881D23407F18}"/>
+    <pc:docChg chg="addSld delSld modSld">
+      <pc:chgData name="Go Muto" userId="S::go_muto@gmsbiz.net::0ea32aeb-8bc2-4177-b806-bfac87ba8199" providerId="AD" clId="Web-{E1B98E4B-AE9E-2B87-8E53-881D23407F18}" dt="2026-02-06T09:02:20.319" v="44" actId="1076"/>
+      <pc:docMkLst>
+        <pc:docMk/>
+      </pc:docMkLst>
+    </pc:docChg>
+  </pc:docChgLst>
 </pc:chgInfo>
 </file>
 
@@ -5409,7 +5409,7 @@
         <p:spPr>
           <a:xfrm>
             <a:off x="860903" y="1296052"/>
-            <a:ext cx="3337465" cy="734644"/>
+            <a:ext cx="3337465" cy="1321580"/>
           </a:xfrm>
           <a:prstGeom prst="rect">
             <a:avLst/>
@@ -5418,7 +5418,9 @@
           <a:ln/>
         </p:spPr>
         <p:txBody>
-          <a:bodyPr wrap="square" lIns="0" tIns="0" rIns="0" bIns="0" rtlCol="0" anchor="t"/>
+          <a:bodyPr wrap="square" lIns="0" tIns="0" rIns="0" bIns="0" rtlCol="0" anchor="t">
+            <a:spAutoFit/>
+          </a:bodyPr>
           <a:lstStyle/>
           <a:p>
             <a:pPr marL="0" indent="0" algn="l">
@@ -5442,10 +5444,24 @@
                 <a:ea typeface="Arial" pitchFamily="34" charset="-122"/>
                 <a:cs typeface="Arial"/>
               </a:rPr>
-              <a:t>使う場合は、「SSHを有効化する」のスイッチを右にスライドして、右下の</a:t>
-            </a:r>
-            <a:r>
-              <a:rPr lang="en-US" sz="1050" b="1">
+              <a:t>使う場合は、「SSHを有効化する」のスイッチを右にスライド</a:t>
+            </a:r>
+          </a:p>
+          <a:p>
+            <a:pPr marL="0" indent="0" algn="l">
+              <a:lnSpc>
+                <a:spcPts val="1470"/>
+              </a:lnSpc>
+              <a:spcBef>
+                <a:spcPts val="100"/>
+              </a:spcBef>
+              <a:spcAft>
+                <a:spcPts val="300"/>
+              </a:spcAft>
+              <a:buNone/>
+            </a:pPr>
+            <a:r>
+              <a:rPr lang="ja-JP" altLang="en-US" sz="1050">
                 <a:solidFill>
                   <a:srgbClr val="1D1D1D"/>
                 </a:solidFill>
@@ -5453,21 +5469,21 @@
                 <a:ea typeface="Arial" pitchFamily="34" charset="-122"/>
                 <a:cs typeface="Arial"/>
               </a:rPr>
-              <a:t>「</a:t>
-            </a:r>
-            <a:r>
-              <a:rPr lang="ja-JP" altLang="en-US" sz="1050" b="1">
-                <a:solidFill>
-                  <a:srgbClr val="1D1D1D"/>
+              <a:t>→ 「</a:t>
+            </a:r>
+            <a:r>
+              <a:rPr lang="en-US" sz="1050" b="1" dirty="0">
+                <a:solidFill>
+                  <a:srgbClr val="C51A4A"/>
                 </a:solidFill>
                 <a:latin typeface="Arial"/>
                 <a:ea typeface="Arial" pitchFamily="34" charset="-122"/>
                 <a:cs typeface="Arial"/>
               </a:rPr>
-              <a:t>次へ</a:t>
-            </a:r>
-            <a:r>
-              <a:rPr lang="en-US" sz="1050" b="1">
+              <a:t>Authentication mechanism</a:t>
+            </a:r>
+            <a:r>
+              <a:rPr lang="ja-JP" altLang="en-US" sz="1050">
                 <a:solidFill>
                   <a:srgbClr val="1D1D1D"/>
                 </a:solidFill>
@@ -5475,7 +5491,54 @@
                 <a:ea typeface="Arial" pitchFamily="34" charset="-122"/>
                 <a:cs typeface="Arial"/>
               </a:rPr>
-              <a:t>」をクリック</a:t>
+              <a:t>」の選択項目が表示されるので、「</a:t>
+            </a:r>
+            <a:r>
+              <a:rPr lang="ja-JP" altLang="en-US" sz="1050" b="1">
+                <a:solidFill>
+                  <a:srgbClr val="1D1D1D"/>
+                </a:solidFill>
+                <a:latin typeface="Arial"/>
+                <a:ea typeface="Arial" pitchFamily="34" charset="-122"/>
+                <a:cs typeface="Arial"/>
+              </a:rPr>
+              <a:t>パスワード認証を使う</a:t>
+            </a:r>
+            <a:r>
+              <a:rPr lang="ja-JP" altLang="en-US" sz="1050">
+                <a:solidFill>
+                  <a:srgbClr val="1D1D1D"/>
+                </a:solidFill>
+                <a:latin typeface="Arial"/>
+                <a:ea typeface="Arial" pitchFamily="34" charset="-122"/>
+                <a:cs typeface="Arial"/>
+              </a:rPr>
+              <a:t>」を選択</a:t>
+            </a:r>
+          </a:p>
+          <a:p>
+            <a:pPr marL="0" indent="0" algn="l">
+              <a:lnSpc>
+                <a:spcPts val="1470"/>
+              </a:lnSpc>
+              <a:spcBef>
+                <a:spcPts val="100"/>
+              </a:spcBef>
+              <a:spcAft>
+                <a:spcPts val="300"/>
+              </a:spcAft>
+              <a:buNone/>
+            </a:pPr>
+            <a:r>
+              <a:rPr lang="ja-JP" altLang="en-US" sz="1050" b="1">
+                <a:solidFill>
+                  <a:srgbClr val="1D1D1D"/>
+                </a:solidFill>
+                <a:latin typeface="Arial"/>
+                <a:ea typeface="Arial" pitchFamily="34" charset="-122"/>
+                <a:cs typeface="Arial"/>
+              </a:rPr>
+              <a:t>右下の「次へ」をクリック</a:t>
             </a:r>
           </a:p>
           <a:p>
@@ -5499,53 +5562,9 @@
                 <a:ea typeface="游ゴシック"/>
                 <a:cs typeface="Arial"/>
               </a:rPr>
-              <a:t>使わない場合は、そのまま</a:t>
-            </a:r>
-            <a:r>
-              <a:rPr lang="ja-JP" sz="1100" b="1">
-                <a:solidFill>
-                  <a:srgbClr val="1D1D1D"/>
-                </a:solidFill>
-                <a:latin typeface="Arial"/>
-                <a:ea typeface="游ゴシック"/>
-                <a:cs typeface="Arial"/>
-              </a:rPr>
-              <a:t>右下の</a:t>
-            </a:r>
-            <a:r>
-              <a:rPr lang="ja-JP" altLang="en-US" sz="1100" b="1">
-                <a:solidFill>
-                  <a:srgbClr val="1D1D1D"/>
-                </a:solidFill>
-                <a:latin typeface="Arial"/>
-                <a:ea typeface="+mn-lt"/>
-                <a:cs typeface="Arial"/>
-              </a:rPr>
-              <a:t>「</a:t>
-            </a:r>
-            <a:r>
-              <a:rPr lang="ja-JP" sz="1100" b="1">
-                <a:solidFill>
-                  <a:srgbClr val="1D1D1D"/>
-                </a:solidFill>
-                <a:latin typeface="Arial"/>
-                <a:ea typeface="游ゴシック"/>
-                <a:cs typeface="Arial"/>
-              </a:rPr>
-              <a:t>次へ</a:t>
-            </a:r>
-            <a:r>
-              <a:rPr lang="ja-JP" altLang="en-US" sz="1100" b="1">
-                <a:solidFill>
-                  <a:srgbClr val="1D1D1D"/>
-                </a:solidFill>
-                <a:latin typeface="Arial"/>
-                <a:ea typeface="+mn-lt"/>
-                <a:cs typeface="Arial"/>
-              </a:rPr>
-              <a:t>」をクリック</a:t>
-            </a:r>
-            <a:endParaRPr lang="ja-JP" sz="1100">
+              <a:t>使わない場合は、そのまま右下の「次へ」をクリック</a:t>
+            </a:r>
+            <a:endParaRPr lang="ja-JP" sz="1050">
               <a:solidFill>
                 <a:srgbClr val="000000"/>
               </a:solidFill>
@@ -5554,27 +5573,6 @@
               <a:cs typeface="Arial"/>
             </a:endParaRPr>
           </a:p>
-          <a:p>
-            <a:pPr>
-              <a:lnSpc>
-                <a:spcPts val="1470"/>
-              </a:lnSpc>
-              <a:spcBef>
-                <a:spcPts val="300"/>
-              </a:spcBef>
-              <a:spcAft>
-                <a:spcPts val="300"/>
-              </a:spcAft>
-            </a:pPr>
-            <a:endParaRPr lang="ja-JP" altLang="en-US" sz="1050" b="1" dirty="0">
-              <a:solidFill>
-                <a:srgbClr val="1D1D1D"/>
-              </a:solidFill>
-              <a:latin typeface="Arial"/>
-              <a:ea typeface="游ゴシック"/>
-              <a:cs typeface="Arial"/>
-            </a:endParaRPr>
-          </a:p>
         </p:txBody>
       </p:sp>
       <p:sp>
@@ -5585,8 +5583,8 @@
         </p:nvSpPr>
         <p:spPr>
           <a:xfrm>
-            <a:off x="457200" y="2438400"/>
-            <a:ext cx="3962400" cy="2133600"/>
+            <a:off x="457200" y="2692400"/>
+            <a:ext cx="3962400" cy="2222500"/>
           </a:xfrm>
           <a:prstGeom prst="roundRect">
             <a:avLst>
@@ -5661,7 +5659,7 @@
                 <a:latin typeface="Arial"/>
                 <a:cs typeface="Arial"/>
               </a:rPr>
-              <a:t xml:space="preserve">SSH (Secure Shell) </a:t>
+              <a:t>SSH (Secure Shell) </a:t>
             </a:r>
             <a:r>
               <a:rPr lang="ja-JP" altLang="en-US" sz="1000" dirty="0">
@@ -5730,7 +5728,7 @@
     </p:spTree>
     <p:extLst>
       <p:ext uri="{BB962C8B-B14F-4D97-AF65-F5344CB8AC3E}">
-        <p14:creationId xmlns:p14="http://schemas.microsoft.com/office/powerpoint/2010/main" val="59902918"/>
+        <p14:creationId xmlns:p14="http://schemas.microsoft.com/office/powerpoint/2010/main" val="3027764622"/>
       </p:ext>
     </p:extLst>
   </p:cSld>
@@ -6782,7 +6780,7 @@
                 <a:ea typeface="游ゴシック"/>
                 <a:cs typeface="Arial"/>
               </a:rPr>
-              <a:t xml:space="preserve">消去の許可を求めてくるので、「I UNDERSTAND, </a:t>
+              <a:t>消去の許可を求めてくるので、「I UNDERSTAND, </a:t>
             </a:r>
             <a:r>
               <a:rPr lang="ja-JP" altLang="en-US" sz="1050" b="1">
@@ -9295,7 +9293,7 @@
         <p:spPr>
           <a:xfrm>
             <a:off x="660400" y="2768600"/>
-            <a:ext cx="3937000" cy="279400"/>
+            <a:ext cx="3937000" cy="398827"/>
           </a:xfrm>
           <a:prstGeom prst="rect">
             <a:avLst/>
@@ -9304,7 +9302,7 @@
         </p:spPr>
         <p:txBody>
           <a:bodyPr vertOverflow="overflow" vert="horz" wrap="square" rtlCol="0" anchor="t">
-            <a:noAutofit/>
+            <a:spAutoFit/>
           </a:bodyPr>
           <a:lstStyle/>
           <a:p>
@@ -9317,15 +9315,108 @@
                 <a:latin typeface="Consolas"/>
                 <a:cs typeface="Consolas"/>
               </a:rPr>
+              <a:t>ssh </a:t>
+            </a:r>
+            <a:r>
+              <a:rPr lang="en-US" altLang="ja-JP" sz="1000">
+                <a:solidFill>
+                  <a:srgbClr val="FFA726"/>
+                </a:solidFill>
+                <a:latin typeface="Consolas"/>
+                <a:cs typeface="Consolas"/>
+              </a:rPr>
+              <a:t>[</a:t>
+            </a:r>
+            <a:r>
+              <a:rPr lang="ja-JP" altLang="en-US" sz="1000">
+                <a:solidFill>
+                  <a:srgbClr val="FFA726"/>
+                </a:solidFill>
+                <a:latin typeface="Consolas"/>
+                <a:ea typeface="游ゴシック"/>
+                <a:cs typeface="Consolas"/>
+              </a:rPr>
+              <a:t>ユーザー名</a:t>
+            </a:r>
+            <a:r>
+              <a:rPr lang="en-US" altLang="ja-JP" sz="1000">
+                <a:solidFill>
+                  <a:srgbClr val="FFA726"/>
+                </a:solidFill>
+                <a:latin typeface="Consolas"/>
+                <a:cs typeface="Consolas"/>
+              </a:rPr>
+              <a:t>]</a:t>
+            </a:r>
+            <a:r>
+              <a:rPr lang="en-US" altLang="ja-JP" sz="1000">
+                <a:solidFill>
+                  <a:srgbClr val="4ADE80"/>
+                </a:solidFill>
+                <a:latin typeface="Consolas"/>
+                <a:cs typeface="Consolas"/>
+              </a:rPr>
+              <a:t>@</a:t>
+            </a:r>
+            <a:r>
+              <a:rPr lang="en-US" altLang="ja-JP" sz="1000">
+                <a:solidFill>
+                  <a:srgbClr val="FFA726"/>
+                </a:solidFill>
+                <a:latin typeface="Consolas"/>
+                <a:cs typeface="Consolas"/>
+              </a:rPr>
+              <a:t>[</a:t>
+            </a:r>
+            <a:r>
+              <a:rPr lang="ja-JP" altLang="en-US" sz="1000">
+                <a:solidFill>
+                  <a:srgbClr val="FFA726"/>
+                </a:solidFill>
+                <a:latin typeface="Consolas"/>
+                <a:ea typeface="游ゴシック"/>
+                <a:cs typeface="Consolas"/>
+              </a:rPr>
+              <a:t>ホスト名</a:t>
+            </a:r>
+            <a:r>
+              <a:rPr lang="en-US" altLang="ja-JP" sz="1000">
+                <a:solidFill>
+                  <a:srgbClr val="FFA726"/>
+                </a:solidFill>
+                <a:latin typeface="Consolas"/>
+                <a:cs typeface="Consolas"/>
+              </a:rPr>
+              <a:t>].local</a:t>
+            </a:r>
+          </a:p>
+          <a:p>
+            <a:pPr algn="l">
+              <a:spcBef>
+                <a:spcPts val="200"/>
+              </a:spcBef>
+            </a:pPr>
+            <a:r>
+              <a:rPr lang="ja-JP" altLang="en-US" sz="825">
+                <a:solidFill>
+                  <a:srgbClr val="BDBDBD"/>
+                </a:solidFill>
+                <a:latin typeface="Arial"/>
+                <a:ea typeface="游ゴシック"/>
+                <a:cs typeface="Arial"/>
+              </a:rPr>
+              <a:t>例：</a:t>
+            </a:r>
+            <a:r>
+              <a:rPr lang="en-US" altLang="ja-JP" sz="825">
+                <a:solidFill>
+                  <a:srgbClr val="BDBDBD"/>
+                </a:solidFill>
+                <a:latin typeface="Consolas"/>
+                <a:cs typeface="Consolas"/>
+              </a:rPr>
               <a:t>ssh pi@raspberrypi.local</a:t>
             </a:r>
-            <a:endParaRPr lang="ja-JP" altLang="en-US" sz="1000">
-              <a:solidFill>
-                <a:srgbClr val="4ADE80"/>
-              </a:solidFill>
-              <a:latin typeface="Consolas"/>
-              <a:cs typeface="Consolas"/>
-            </a:endParaRPr>
           </a:p>
         </p:txBody>
       </p:sp>
@@ -9343,8 +9434,8 @@
         </p:nvSpPr>
         <p:spPr>
           <a:xfrm>
-            <a:off x="863600" y="2362200"/>
-            <a:ext cx="3810000" cy="228600"/>
+            <a:off x="863600" y="3200400"/>
+            <a:ext cx="3810000" cy="607539"/>
           </a:xfrm>
           <a:prstGeom prst="rect">
             <a:avLst/>
@@ -9353,11 +9444,15 @@
         </p:spPr>
         <p:txBody>
           <a:bodyPr vertOverflow="overflow" vert="horz" wrap="square" rtlCol="0" anchor="t">
-            <a:noAutofit/>
+            <a:spAutoFit/>
           </a:bodyPr>
           <a:lstStyle/>
           <a:p>
-            <a:pPr algn="l"/>
+            <a:pPr algn="l">
+              <a:lnSpc>
+                <a:spcPts val="1300"/>
+              </a:lnSpc>
+            </a:pPr>
             <a:r>
               <a:rPr lang="ja-JP" altLang="en-US" sz="900">
                 <a:solidFill>
@@ -9398,13 +9493,66 @@
               </a:rPr>
               <a:t>Enter</a:t>
             </a:r>
-            <a:endParaRPr lang="ja-JP" altLang="en-US" sz="900">
-              <a:solidFill>
-                <a:srgbClr val="737373"/>
-              </a:solidFill>
-              <a:latin typeface="Arial"/>
-              <a:cs typeface="Arial"/>
-            </a:endParaRPr>
+          </a:p>
+          <a:p>
+            <a:pPr algn="l">
+              <a:lnSpc>
+                <a:spcPts val="1300"/>
+              </a:lnSpc>
+              <a:spcBef>
+                <a:spcPts val="100"/>
+              </a:spcBef>
+            </a:pPr>
+            <a:r>
+              <a:rPr lang="en-US" altLang="ja-JP" sz="900" b="1">
+                <a:solidFill>
+                  <a:srgbClr val="C51A4A"/>
+                </a:solidFill>
+                <a:latin typeface="Arial"/>
+                <a:cs typeface="Arial"/>
+              </a:rPr>
+              <a:t>pi</a:t>
+            </a:r>
+            <a:r>
+              <a:rPr lang="ja-JP" altLang="en-US" sz="900">
+                <a:solidFill>
+                  <a:srgbClr val="737373"/>
+                </a:solidFill>
+                <a:latin typeface="Arial"/>
+                <a:cs typeface="Arial"/>
+              </a:rPr>
+              <a:t> = STEP 3-5で設定したユーザー名</a:t>
+            </a:r>
+          </a:p>
+          <a:p>
+            <a:pPr algn="l">
+              <a:lnSpc>
+                <a:spcPts val="1300"/>
+              </a:lnSpc>
+              <a:spcBef>
+                <a:spcPts val="100"/>
+              </a:spcBef>
+            </a:pPr>
+            <a:r>
+              <a:rPr lang="en-US" altLang="ja-JP" sz="900" b="1">
+                <a:solidFill>
+                  <a:srgbClr val="C51A4A"/>
+                </a:solidFill>
+                <a:latin typeface="Arial"/>
+                <a:cs typeface="Arial"/>
+              </a:rPr>
+              <a:t>raspberrypi.local</a:t>
+            </a:r>
+            <a:r>
+              <a:rPr lang="ja-JP" altLang="en-US" sz="900">
+                <a:solidFill>
+                  <a:srgbClr val="737373"/>
+                </a:solidFill>
+                <a:latin typeface="Arial"/>
+                <a:cs typeface="Arial"/>
+              </a:rPr>
+              <a:t> = Raspberry Piのホスト名</a:t>
+            </a:r>
           </a:p>
         </p:txBody>
       </p:sp>
@@ -9422,7 +9570,7 @@
         </p:nvSpPr>
         <p:spPr>
           <a:xfrm>
-            <a:off x="508000" y="3327400"/>
+            <a:off x="508000" y="3835400"/>
             <a:ext cx="4292600" cy="203200"/>
           </a:xfrm>
           <a:prstGeom prst="rect">
@@ -9464,7 +9612,7 @@
         </p:nvSpPr>
         <p:spPr>
           <a:xfrm>
-            <a:off x="508000" y="3556000"/>
+            <a:off x="508000" y="4038600"/>
             <a:ext cx="4292600" cy="355600"/>
           </a:xfrm>
           <a:prstGeom prst="rect">
@@ -9507,7 +9655,7 @@
                 <a:latin typeface="Arial"/>
                 <a:cs typeface="Arial"/>
               </a:rPr>
-              <a:t xml:space="preserve">」
+              <a:t>」
 → </a:t>
             </a:r>
             <a:r>
@@ -9518,7 +9666,7 @@
                 <a:latin typeface="Arial"/>
                 <a:cs typeface="Arial"/>
               </a:rPr>
-              <a:t xml:space="preserve">yes </a:t>
+              <a:t>yes </a:t>
             </a:r>
             <a:r>
               <a:rPr lang="ja-JP" altLang="en-US" sz="825">
@@ -9564,7 +9712,7 @@
         </p:nvSpPr>
         <p:spPr>
           <a:xfrm>
-            <a:off x="508000" y="4013200"/>
+            <a:off x="508000" y="4419600"/>
             <a:ext cx="4292600" cy="203200"/>
           </a:xfrm>
           <a:prstGeom prst="rect">
@@ -9606,7 +9754,7 @@
         </p:nvSpPr>
         <p:spPr>
           <a:xfrm>
-            <a:off x="508000" y="4241800"/>
+            <a:off x="508000" y="4622800"/>
             <a:ext cx="4292600" cy="355600"/>
           </a:xfrm>
           <a:prstGeom prst="rect">
@@ -9675,7 +9823,7 @@
     </p:spTree>
     <p:extLst>
       <p:ext uri="{BB962C8B-B14F-4D97-AF65-F5344CB8AC3E}">
-        <p14:creationId xmlns:p14="http://schemas.microsoft.com/office/powerpoint/2010/main" val="3906839348"/>
+        <p14:creationId xmlns:p14="http://schemas.microsoft.com/office/powerpoint/2010/main" val="1231388668"/>
       </p:ext>
     </p:extLst>
   </p:cSld>
@@ -10284,7 +10432,7 @@
                 <a:latin typeface="Consolas"/>
                 <a:cs typeface="Consolas"/>
               </a:rPr>
-              <a:t xml:space="preserve">  ipv4.method manual \</a:t>
+              <a:t>  ipv4.method manual \</a:t>
             </a:r>
           </a:p>
           <a:p>
@@ -10299,7 +10447,7 @@
                 <a:latin typeface="Consolas"/>
                 <a:cs typeface="Consolas"/>
               </a:rPr>
-              <a:t xml:space="preserve">  ipv4.addresses "192.168.x.x/24" \</a:t>
+              <a:t>  ipv4.addresses "192.168.x.x/24" \</a:t>
             </a:r>
           </a:p>
           <a:p>
@@ -10314,7 +10462,7 @@
                 <a:latin typeface="Consolas"/>
                 <a:cs typeface="Consolas"/>
               </a:rPr>
-              <a:t xml:space="preserve">  ipv4.gateway "192.168.x.1" \</a:t>
+              <a:t>  ipv4.gateway "192.168.x.1" \</a:t>
             </a:r>
           </a:p>
           <a:p>
@@ -10329,7 +10477,7 @@
                 <a:latin typeface="Consolas"/>
                 <a:cs typeface="Consolas"/>
               </a:rPr>
-              <a:t xml:space="preserve">  ipv4.dns "192.168.x.1"</a:t>
+              <a:t>  ipv4.dns "192.168.x.1"</a:t>
             </a:r>
           </a:p>
         </p:txBody>
@@ -10585,7 +10733,7 @@
                 <a:latin typeface="Arial"/>
                 <a:cs typeface="Arial"/>
               </a:rPr>
-              <a:t xml:space="preserve">  manual = 固定IPに設定</a:t>
+              <a:t>  manual = 固定IPに設定</a:t>
             </a:r>
           </a:p>
           <a:p>
@@ -10613,7 +10761,7 @@
                 <a:latin typeface="Arial"/>
                 <a:cs typeface="Arial"/>
               </a:rPr>
-              <a:t xml:space="preserve">  固定IP/サブネット</a:t>
+              <a:t>  固定IP/サブネット</a:t>
             </a:r>
           </a:p>
           <a:p>
@@ -10641,7 +10789,7 @@
                 <a:latin typeface="Arial"/>
                 <a:cs typeface="Arial"/>
               </a:rPr>
-              <a:t xml:space="preserve">  デフォルトゲートウェイ</a:t>
+              <a:t>  デフォルトゲートウェイ</a:t>
             </a:r>
           </a:p>
           <a:p>
@@ -10669,7 +10817,7 @@
                 <a:latin typeface="Arial"/>
                 <a:cs typeface="Arial"/>
               </a:rPr>
-              <a:t xml:space="preserve">  DNSサーバーアドレス</a:t>
+              <a:t>  DNSサーバーアドレス</a:t>
             </a:r>
           </a:p>
         </p:txBody>
@@ -10751,7 +10899,7 @@
                 <a:latin typeface="Arial"/>
                 <a:cs typeface="Arial"/>
               </a:rPr>
-              <a:t xml:space="preserve">各行末の </a:t>
+              <a:t>各行末の </a:t>
             </a:r>
             <a:r>
               <a:rPr lang="en-US" altLang="ja-JP" sz="1000" b="1" dirty="0">
@@ -10771,7 +10919,7 @@
                 <a:latin typeface="Arial"/>
                 <a:cs typeface="Arial"/>
               </a:rPr>
-              <a:t xml:space="preserve"> は「次の行に続く」の意味。</a:t>
+              <a:t> は「次の行に続く」の意味。</a:t>
             </a:r>
           </a:p>
           <a:p>
@@ -11289,7 +11437,7 @@
                 <a:latin typeface="Consolas"/>
                 <a:cs typeface="Consolas"/>
               </a:rPr>
-              <a:t xml:space="preserve">  ipv4.method manual \</a:t>
+              <a:t>  ipv4.method manual \</a:t>
             </a:r>
           </a:p>
           <a:p>
@@ -11304,7 +11452,7 @@
                 <a:latin typeface="Consolas"/>
                 <a:cs typeface="Consolas"/>
               </a:rPr>
-              <a:t xml:space="preserve">  ipv4.addresses "192.168.104.12/24"</a:t>
+              <a:t>  ipv4.addresses "192.168.104.12/24"</a:t>
             </a:r>
           </a:p>
         </p:txBody>
@@ -11758,7 +11906,7 @@
                 <a:latin typeface="Arial"/>
                 <a:cs typeface="Arial"/>
               </a:rPr>
-              <a:t xml:space="preserve">  manual = 固定IPに設定</a:t>
+              <a:t>  manual = 固定IPに設定</a:t>
             </a:r>
           </a:p>
           <a:p>
@@ -11786,7 +11934,7 @@
                 <a:latin typeface="Arial"/>
                 <a:cs typeface="Arial"/>
               </a:rPr>
-              <a:t xml:space="preserve">  固定IP/サブネット</a:t>
+              <a:t>  固定IP/サブネット</a:t>
             </a:r>
           </a:p>
         </p:txBody>
@@ -11906,7 +12054,7 @@
                 <a:latin typeface="Arial"/>
                 <a:cs typeface="Arial"/>
               </a:rPr>
-              <a:t xml:space="preserve"> / </a:t>
+              <a:t> / </a:t>
             </a:r>
             <a:r>
               <a:rPr lang="en-US" altLang="ja-JP" sz="900" dirty="0">
@@ -11926,7 +12074,7 @@
                 <a:latin typeface="Arial"/>
                 <a:cs typeface="Arial"/>
               </a:rPr>
-              <a:t xml:space="preserve"> の設定は不要です。</a:t>
+              <a:t> の設定は不要です。</a:t>
             </a:r>
           </a:p>
           <a:p>
@@ -12563,7 +12711,7 @@
                   <a:srgbClr val="00B050"/>
                 </a:solidFill>
               </a:rPr>
-              <a:t xml:space="preserve"> https://</a:t>
+              <a:t> https://</a:t>
             </a:r>
             <a:r>
               <a:rPr lang="en-US" altLang="ja-JP" sz="1000" dirty="0" err="1">
@@ -12758,7 +12906,7 @@
                 <a:ea typeface="Arial" pitchFamily="34" charset="-122"/>
                 <a:cs typeface="Arial" pitchFamily="34" charset="-120"/>
               </a:rPr>
-              <a:t xml:space="preserve">「Are you sure you want to do this?」→ </a:t>
+              <a:t>「Are you sure you want to do this?」→ </a:t>
             </a:r>
             <a:r>
               <a:rPr lang="en-US" sz="825" b="1">
@@ -12795,7 +12943,7 @@
                 <a:ea typeface="Arial" pitchFamily="34" charset="-122"/>
                 <a:cs typeface="Arial" pitchFamily="34" charset="-120"/>
               </a:rPr>
-              <a:t xml:space="preserve">「Would you like to install Pi-specific nodes?」→ </a:t>
+              <a:t>「Would you like to install Pi-specific nodes?」→ </a:t>
             </a:r>
             <a:r>
               <a:rPr lang="en-US" sz="825" b="1">
@@ -12927,7 +13075,7 @@
                 <a:ea typeface="Arial" pitchFamily="34" charset="-122"/>
                 <a:cs typeface="Arial" pitchFamily="34" charset="-120"/>
               </a:rPr>
-              <a:t xml:space="preserve"> 約10〜20分程度（インターネット速度による）</a:t>
+              <a:t> 約10〜20分程度（インターネット速度による）</a:t>
             </a:r>
             <a:endParaRPr lang="en-US" sz="825"/>
           </a:p>
@@ -13486,7 +13634,7 @@
                   <a:srgbClr val="00B050"/>
                 </a:solidFill>
               </a:rPr>
-              <a:t xml:space="preserve"> </a:t>
+              <a:t> </a:t>
             </a:r>
             <a:r>
               <a:rPr lang="en-US" altLang="ja-JP" sz="1000" err="1">
@@ -13502,7 +13650,7 @@
                   <a:srgbClr val="00B050"/>
                 </a:solidFill>
               </a:rPr>
-              <a:t xml:space="preserve"> enable </a:t>
+              <a:t> enable </a:t>
             </a:r>
             <a:r>
               <a:rPr lang="en-US" altLang="ja-JP" sz="1000" err="1">
@@ -13899,7 +14047,7 @@
                 <a:latin typeface="Arial"/>
                 <a:cs typeface="Arial"/>
               </a:rPr>
-              <a:t xml:space="preserve">systemd </a:t>
+              <a:t>systemd </a:t>
             </a:r>
             <a:r>
               <a:rPr lang="ja-JP" altLang="en-US" sz="950" dirty="0">
@@ -13934,7 +14082,7 @@
                 <a:latin typeface="Arial"/>
                 <a:cs typeface="Arial"/>
               </a:rPr>
-              <a:t xml:space="preserve">systemctl enable </a:t>
+              <a:t>systemctl enable </a:t>
             </a:r>
             <a:r>
               <a:rPr lang="ja-JP" altLang="en-US" sz="950" dirty="0">
@@ -14294,7 +14442,7 @@
                 <a:ea typeface="Arial" pitchFamily="34" charset="-122"/>
                 <a:cs typeface="Arial" pitchFamily="34" charset="-120"/>
               </a:rPr>
-              <a:t xml:space="preserve">Raspberry </a:t>
+              <a:t>Raspberry </a:t>
             </a:r>
             <a:r>
               <a:rPr lang="en-US" sz="975" b="1" err="1">
@@ -17769,7 +17917,7 @@
                 <a:ea typeface="Arial" pitchFamily="34" charset="-122"/>
                 <a:cs typeface="Arial" pitchFamily="34" charset="-120"/>
               </a:rPr>
-              <a:t xml:space="preserve">    users: [{ username: "admin",</a:t>
+              <a:t>    users: [{ username: "admin",</a:t>
             </a:r>
             <a:endParaRPr lang="en-US" sz="825"/>
           </a:p>
@@ -17795,7 +17943,7 @@
                 <a:ea typeface="Arial" pitchFamily="34" charset="-122"/>
                 <a:cs typeface="Arial" pitchFamily="34" charset="-120"/>
               </a:rPr>
-              <a:t xml:space="preserve">    password: "$2b$08$...", permissions: "*" }] },</a:t>
+              <a:t>    password: "$2b$08$...", permissions: "*" }] },</a:t>
             </a:r>
             <a:endParaRPr lang="en-US" sz="825"/>
           </a:p>
@@ -19819,7 +19967,7 @@
                 <a:ea typeface="Arial" pitchFamily="34" charset="-122"/>
                 <a:cs typeface="Arial" pitchFamily="34" charset="-120"/>
               </a:rPr>
-              <a:t xml:space="preserve"> Raspberry Pi OS (64-bit)</a:t>
+              <a:t> Raspberry Pi OS (64-bit)</a:t>
             </a:r>
             <a:endParaRPr lang="en-US" sz="825"/>
           </a:p>
@@ -20768,7 +20916,7 @@
                 <a:ea typeface="Arial" pitchFamily="34" charset="-122"/>
                 <a:cs typeface="Arial" pitchFamily="34" charset="-120"/>
               </a:rPr>
-              <a:t xml:space="preserve">: </a:t>
+              <a:t>: </a:t>
             </a:r>
             <a:r>
               <a:rPr lang="en-US" sz="1350" dirty="0" err="1">
@@ -20790,7 +20938,18 @@
                 <a:ea typeface="Arial" pitchFamily="34" charset="-122"/>
                 <a:cs typeface="Arial" pitchFamily="34" charset="-120"/>
               </a:rPr>
-              <a:t>）</a:t>
+              <a:t>）・・・</a:t>
+            </a:r>
+            <a:r>
+              <a:rPr lang="en-US" sz="1350" dirty="0" err="1">
+                <a:solidFill>
+                  <a:srgbClr val="2E7D32"/>
+                </a:solidFill>
+                <a:latin typeface="Arial" pitchFamily="34" charset="0"/>
+                <a:ea typeface="Arial" pitchFamily="34" charset="-122"/>
+                <a:cs typeface="Arial" pitchFamily="34" charset="-120"/>
+              </a:rPr>
+              <a:t>英数字のみ</a:t>
             </a:r>
             <a:endParaRPr lang="en-US" sz="1350" dirty="0"/>
           </a:p>
@@ -20811,7 +20970,7 @@
                 <a:ea typeface="Arial" pitchFamily="34" charset="-122"/>
                 <a:cs typeface="Arial" pitchFamily="34" charset="-120"/>
               </a:rPr>
-              <a:t>ユーザー名とパスワード</a:t>
+              <a:t>ユーザー名（例：pi）とパスワード</a:t>
             </a:r>
             <a:endParaRPr lang="en-US" sz="1350" dirty="0"/>
           </a:p>
@@ -21315,7 +21474,7 @@
                 <a:ea typeface="Arial" pitchFamily="34" charset="-122"/>
                 <a:cs typeface="Arial"/>
               </a:rPr>
-              <a:t xml:space="preserve">Raspberry Pi </a:t>
+              <a:t>Raspberry Pi </a:t>
             </a:r>
             <a:r>
               <a:rPr lang="ja-JP" altLang="en-US" sz="1050" b="1">
@@ -21599,7 +21758,7 @@
                 <a:ea typeface="Arial" pitchFamily="34" charset="-122"/>
                 <a:cs typeface="Arial"/>
               </a:rPr>
-              <a:t xml:space="preserve">⚠️ </a:t>
+              <a:t>⚠️ </a:t>
             </a:r>
             <a:r>
               <a:rPr lang="ja-JP" altLang="en-US" sz="750">
